--- a/Office Docs/7 Complex decisions with code.pptx
+++ b/Office Docs/7 Complex decisions with code.pptx
@@ -5,39 +5,42 @@
     <p:sldMasterId id="2147483660" r:id="rId1"/>
   </p:sldMasterIdLst>
   <p:notesMasterIdLst>
-    <p:notesMasterId r:id="rId32"/>
+    <p:notesMasterId r:id="rId35"/>
   </p:notesMasterIdLst>
   <p:sldIdLst>
     <p:sldId id="377" r:id="rId2"/>
     <p:sldId id="378" r:id="rId3"/>
-    <p:sldId id="394" r:id="rId4"/>
-    <p:sldId id="395" r:id="rId5"/>
-    <p:sldId id="396" r:id="rId6"/>
-    <p:sldId id="409" r:id="rId7"/>
-    <p:sldId id="379" r:id="rId8"/>
-    <p:sldId id="380" r:id="rId9"/>
-    <p:sldId id="386" r:id="rId10"/>
-    <p:sldId id="388" r:id="rId11"/>
-    <p:sldId id="410" r:id="rId12"/>
-    <p:sldId id="389" r:id="rId13"/>
-    <p:sldId id="397" r:id="rId14"/>
-    <p:sldId id="387" r:id="rId15"/>
-    <p:sldId id="390" r:id="rId16"/>
-    <p:sldId id="411" r:id="rId17"/>
-    <p:sldId id="398" r:id="rId18"/>
-    <p:sldId id="399" r:id="rId19"/>
-    <p:sldId id="412" r:id="rId20"/>
-    <p:sldId id="402" r:id="rId21"/>
-    <p:sldId id="403" r:id="rId22"/>
-    <p:sldId id="404" r:id="rId23"/>
-    <p:sldId id="401" r:id="rId24"/>
-    <p:sldId id="391" r:id="rId25"/>
-    <p:sldId id="392" r:id="rId26"/>
-    <p:sldId id="413" r:id="rId27"/>
-    <p:sldId id="405" r:id="rId28"/>
-    <p:sldId id="406" r:id="rId29"/>
-    <p:sldId id="407" r:id="rId30"/>
-    <p:sldId id="408" r:id="rId31"/>
+    <p:sldId id="414" r:id="rId4"/>
+    <p:sldId id="394" r:id="rId5"/>
+    <p:sldId id="395" r:id="rId6"/>
+    <p:sldId id="396" r:id="rId7"/>
+    <p:sldId id="409" r:id="rId8"/>
+    <p:sldId id="415" r:id="rId9"/>
+    <p:sldId id="379" r:id="rId10"/>
+    <p:sldId id="380" r:id="rId11"/>
+    <p:sldId id="386" r:id="rId12"/>
+    <p:sldId id="388" r:id="rId13"/>
+    <p:sldId id="410" r:id="rId14"/>
+    <p:sldId id="389" r:id="rId15"/>
+    <p:sldId id="397" r:id="rId16"/>
+    <p:sldId id="387" r:id="rId17"/>
+    <p:sldId id="390" r:id="rId18"/>
+    <p:sldId id="411" r:id="rId19"/>
+    <p:sldId id="398" r:id="rId20"/>
+    <p:sldId id="399" r:id="rId21"/>
+    <p:sldId id="412" r:id="rId22"/>
+    <p:sldId id="402" r:id="rId23"/>
+    <p:sldId id="403" r:id="rId24"/>
+    <p:sldId id="404" r:id="rId25"/>
+    <p:sldId id="401" r:id="rId26"/>
+    <p:sldId id="391" r:id="rId27"/>
+    <p:sldId id="416" r:id="rId28"/>
+    <p:sldId id="392" r:id="rId29"/>
+    <p:sldId id="413" r:id="rId30"/>
+    <p:sldId id="405" r:id="rId31"/>
+    <p:sldId id="406" r:id="rId32"/>
+    <p:sldId id="407" r:id="rId33"/>
+    <p:sldId id="408" r:id="rId34"/>
   </p:sldIdLst>
   <p:sldSz cx="12192000" cy="6858000"/>
   <p:notesSz cx="6858000" cy="9144000"/>
@@ -143,10 +146,12 @@
           <p14:sldIdLst>
             <p14:sldId id="377"/>
             <p14:sldId id="378"/>
+            <p14:sldId id="414"/>
             <p14:sldId id="394"/>
             <p14:sldId id="395"/>
             <p14:sldId id="396"/>
             <p14:sldId id="409"/>
+            <p14:sldId id="415"/>
             <p14:sldId id="379"/>
             <p14:sldId id="380"/>
             <p14:sldId id="386"/>
@@ -165,6 +170,7 @@
             <p14:sldId id="404"/>
             <p14:sldId id="401"/>
             <p14:sldId id="391"/>
+            <p14:sldId id="416"/>
             <p14:sldId id="392"/>
             <p14:sldId id="413"/>
             <p14:sldId id="405"/>
@@ -270,7 +276,7 @@
           <a:p>
             <a:fld id="{A9DDBD42-E139-45FA-9C16-1611187CAC3F}" type="datetimeFigureOut">
               <a:rPr lang="en-US" smtClean="0"/>
-              <a:t>9/18/2014</a:t>
+              <a:t>9/23/2014</a:t>
             </a:fld>
             <a:endParaRPr lang="en-US"/>
           </a:p>
@@ -603,7 +609,7 @@
           <a:p>
             <a:fld id="{906AB01E-7BD7-442B-8A6B-D31FAFDAE830}" type="slidenum">
               <a:rPr lang="en-US" smtClean="0"/>
-              <a:t>5</a:t>
+              <a:t>6</a:t>
             </a:fld>
             <a:endParaRPr lang="en-US"/>
           </a:p>
@@ -1199,7 +1205,7 @@
           <a:p>
             <a:fld id="{8869F24F-79D1-498A-9650-DDD01EAD51AF}" type="datetimeFigureOut">
               <a:rPr lang="en-US" smtClean="0"/>
-              <a:t>9/18/2014</a:t>
+              <a:t>9/23/2014</a:t>
             </a:fld>
             <a:endParaRPr lang="en-US"/>
           </a:p>
@@ -3513,11 +3519,7 @@
           <a:p>
             <a:r>
               <a:rPr lang="en-CA" dirty="0" smtClean="0"/>
-              <a:t>Complex decisions with </a:t>
-            </a:r>
-            <a:r>
-              <a:rPr lang="en-CA" dirty="0" smtClean="0"/>
-              <a:t>code</a:t>
+              <a:t>Complex decisions with code</a:t>
             </a:r>
           </a:p>
           <a:p>
@@ -3587,6 +3589,728 @@
 </file>
 
 <file path=ppt/slides/slide10.xml><?xml version="1.0" encoding="utf-8"?>
+<p:sld xmlns:a="http://schemas.openxmlformats.org/drawingml/2006/main" xmlns:r="http://schemas.openxmlformats.org/officeDocument/2006/relationships" xmlns:p="http://schemas.openxmlformats.org/presentationml/2006/main">
+  <p:cSld>
+    <p:spTree>
+      <p:nvGrpSpPr>
+        <p:cNvPr id="1" name=""/>
+        <p:cNvGrpSpPr/>
+        <p:nvPr/>
+      </p:nvGrpSpPr>
+      <p:grpSpPr>
+        <a:xfrm>
+          <a:off x="0" y="0"/>
+          <a:ext cx="0" cy="0"/>
+          <a:chOff x="0" y="0"/>
+          <a:chExt cx="0" cy="0"/>
+        </a:xfrm>
+      </p:grpSpPr>
+      <p:sp>
+        <p:nvSpPr>
+          <p:cNvPr id="2" name="Title 1"/>
+          <p:cNvSpPr>
+            <a:spLocks noGrp="1"/>
+          </p:cNvSpPr>
+          <p:nvPr>
+            <p:ph type="title"/>
+          </p:nvPr>
+        </p:nvSpPr>
+        <p:spPr/>
+        <p:txBody>
+          <a:bodyPr>
+            <a:normAutofit fontScale="90000"/>
+          </a:bodyPr>
+          <a:lstStyle/>
+          <a:p>
+            <a:r>
+              <a:rPr lang="en-CA" dirty="0" smtClean="0"/>
+              <a:t>When you use “and” you are saying all the conditions must be true</a:t>
+            </a:r>
+            <a:r>
+              <a:rPr lang="en-CA" dirty="0"/>
+              <a:t/>
+            </a:r>
+            <a:br>
+              <a:rPr lang="en-CA" dirty="0"/>
+            </a:br>
+            <a:endParaRPr lang="en-US" dirty="0"/>
+          </a:p>
+        </p:txBody>
+      </p:sp>
+      <p:sp>
+        <p:nvSpPr>
+          <p:cNvPr id="3" name="Content Placeholder 2"/>
+          <p:cNvSpPr>
+            <a:spLocks noGrp="1"/>
+          </p:cNvSpPr>
+          <p:nvPr>
+            <p:ph type="body" idx="1"/>
+          </p:nvPr>
+        </p:nvSpPr>
+        <p:spPr/>
+        <p:txBody>
+          <a:bodyPr/>
+          <a:lstStyle/>
+          <a:p>
+            <a:endParaRPr lang="en-US" dirty="0"/>
+          </a:p>
+        </p:txBody>
+      </p:sp>
+    </p:spTree>
+    <p:extLst>
+      <p:ext uri="{BB962C8B-B14F-4D97-AF65-F5344CB8AC3E}">
+        <p14:creationId xmlns:p14="http://schemas.microsoft.com/office/powerpoint/2010/main" val="1325046183"/>
+      </p:ext>
+    </p:extLst>
+  </p:cSld>
+  <p:clrMapOvr>
+    <a:masterClrMapping/>
+  </p:clrMapOvr>
+  <p:timing>
+    <p:tnLst>
+      <p:par>
+        <p:cTn id="1" dur="indefinite" restart="never" nodeType="tmRoot"/>
+      </p:par>
+    </p:tnLst>
+  </p:timing>
+</p:sld>
+</file>
+
+<file path=ppt/slides/slide11.xml><?xml version="1.0" encoding="utf-8"?>
+<p:sld xmlns:a="http://schemas.openxmlformats.org/drawingml/2006/main" xmlns:r="http://schemas.openxmlformats.org/officeDocument/2006/relationships" xmlns:p="http://schemas.openxmlformats.org/presentationml/2006/main">
+  <p:cSld>
+    <p:spTree>
+      <p:nvGrpSpPr>
+        <p:cNvPr id="1" name=""/>
+        <p:cNvGrpSpPr/>
+        <p:nvPr/>
+      </p:nvGrpSpPr>
+      <p:grpSpPr>
+        <a:xfrm>
+          <a:off x="0" y="0"/>
+          <a:ext cx="0" cy="0"/>
+          <a:chOff x="0" y="0"/>
+          <a:chExt cx="0" cy="0"/>
+        </a:xfrm>
+      </p:grpSpPr>
+      <p:sp>
+        <p:nvSpPr>
+          <p:cNvPr id="2" name="Title 1"/>
+          <p:cNvSpPr>
+            <a:spLocks noGrp="1"/>
+          </p:cNvSpPr>
+          <p:nvPr>
+            <p:ph type="title"/>
+          </p:nvPr>
+        </p:nvSpPr>
+        <p:spPr/>
+        <p:txBody>
+          <a:bodyPr>
+            <a:normAutofit fontScale="90000"/>
+          </a:bodyPr>
+          <a:lstStyle/>
+          <a:p>
+            <a:r>
+              <a:rPr lang="en-CA" dirty="0" smtClean="0"/>
+              <a:t>The “and” is only evaluated as True if both conditions are True.</a:t>
+            </a:r>
+            <a:endParaRPr lang="en-US" dirty="0"/>
+          </a:p>
+        </p:txBody>
+      </p:sp>
+      <p:sp>
+        <p:nvSpPr>
+          <p:cNvPr id="4" name="Rectangle 1"/>
+          <p:cNvSpPr>
+            <a:spLocks noGrp="1" noChangeArrowheads="1"/>
+          </p:cNvSpPr>
+          <p:nvPr>
+            <p:ph sz="quarter" idx="10"/>
+          </p:nvPr>
+        </p:nvSpPr>
+        <p:spPr bwMode="auto">
+          <a:xfrm>
+            <a:off x="379514" y="1840196"/>
+            <a:ext cx="11817659" cy="3539430"/>
+          </a:xfrm>
+          <a:prstGeom prst="rect">
+            <a:avLst/>
+          </a:prstGeom>
+          <a:solidFill>
+            <a:srgbClr val="FFFFFF"/>
+          </a:solidFill>
+          <a:ln>
+            <a:noFill/>
+          </a:ln>
+          <a:effectLst/>
+          <a:extLst>
+            <a:ext uri="{91240B29-F687-4F45-9708-019B960494DF}">
+              <a14:hiddenLine xmlns:a14="http://schemas.microsoft.com/office/drawing/2010/main" w="9525">
+                <a:solidFill>
+                  <a:schemeClr val="tx1"/>
+                </a:solidFill>
+                <a:miter lim="800000"/>
+                <a:headEnd/>
+                <a:tailEnd/>
+              </a14:hiddenLine>
+            </a:ext>
+            <a:ext uri="{AF507438-7753-43E0-B8FC-AC1667EBCBE1}">
+              <a14:hiddenEffects xmlns:a14="http://schemas.microsoft.com/office/drawing/2010/main">
+                <a:effectLst>
+                  <a:outerShdw dist="35921" dir="2700000" algn="ctr" rotWithShape="0">
+                    <a:schemeClr val="bg2"/>
+                  </a:outerShdw>
+                </a:effectLst>
+              </a14:hiddenEffects>
+            </a:ext>
+          </a:extLst>
+        </p:spPr>
+        <p:txBody>
+          <a:bodyPr vert="horz" wrap="none" lIns="91440" tIns="45720" rIns="91440" bIns="45720" numCol="1" anchor="ctr" anchorCtr="0" compatLnSpc="1">
+            <a:prstTxWarp prst="textNoShape">
+              <a:avLst/>
+            </a:prstTxWarp>
+            <a:spAutoFit/>
+          </a:bodyPr>
+          <a:lstStyle/>
+          <a:p>
+            <a:pPr marL="0" marR="0" lvl="0" indent="0" algn="l" defTabSz="914400" rtl="0" eaLnBrk="0" fontAlgn="base" latinLnBrk="0" hangingPunct="0">
+              <a:lnSpc>
+                <a:spcPct val="100000"/>
+              </a:lnSpc>
+              <a:spcBef>
+                <a:spcPct val="0"/>
+              </a:spcBef>
+              <a:spcAft>
+                <a:spcPct val="0"/>
+              </a:spcAft>
+              <a:buClrTx/>
+              <a:buSzTx/>
+              <a:buFontTx/>
+              <a:buNone/>
+              <a:tabLst/>
+            </a:pPr>
+            <a:r>
+              <a:rPr kumimoji="0" lang="en-US" altLang="en-US" sz="2800" b="0" i="0" u="none" strike="noStrike" cap="none" normalizeH="0" baseline="0" dirty="0" smtClean="0">
+                <a:ln>
+                  <a:noFill/>
+                </a:ln>
+                <a:solidFill>
+                  <a:srgbClr val="008000"/>
+                </a:solidFill>
+                <a:effectLst/>
+                <a:latin typeface="Consolas" panose="020B0609020204030204" pitchFamily="49" charset="0"/>
+                <a:cs typeface="Consolas" panose="020B0609020204030204" pitchFamily="49" charset="0"/>
+              </a:rPr>
+              <a:t>#Imagine you have code that ran earlier which </a:t>
+            </a:r>
+            <a:r>
+              <a:rPr kumimoji="0" lang="en-US" altLang="en-US" sz="2800" b="0" i="0" u="none" strike="noStrike" cap="none" normalizeH="0" baseline="0" dirty="0" smtClean="0">
+                <a:ln>
+                  <a:noFill/>
+                </a:ln>
+                <a:solidFill>
+                  <a:srgbClr val="000000"/>
+                </a:solidFill>
+                <a:effectLst/>
+                <a:latin typeface="Consolas" panose="020B0609020204030204" pitchFamily="49" charset="0"/>
+                <a:cs typeface="Consolas" panose="020B0609020204030204" pitchFamily="49" charset="0"/>
+              </a:rPr>
+              <a:t> </a:t>
+            </a:r>
+          </a:p>
+          <a:p>
+            <a:pPr marL="0" marR="0" lvl="0" indent="0" algn="l" defTabSz="914400" rtl="0" eaLnBrk="0" fontAlgn="base" latinLnBrk="0" hangingPunct="0">
+              <a:lnSpc>
+                <a:spcPct val="100000"/>
+              </a:lnSpc>
+              <a:spcBef>
+                <a:spcPct val="0"/>
+              </a:spcBef>
+              <a:spcAft>
+                <a:spcPct val="0"/>
+              </a:spcAft>
+              <a:buClrTx/>
+              <a:buSzTx/>
+              <a:buFontTx/>
+              <a:buNone/>
+              <a:tabLst/>
+            </a:pPr>
+            <a:r>
+              <a:rPr kumimoji="0" lang="en-US" altLang="en-US" sz="2800" b="0" i="0" u="none" strike="noStrike" cap="none" normalizeH="0" baseline="0" dirty="0" smtClean="0">
+                <a:ln>
+                  <a:noFill/>
+                </a:ln>
+                <a:solidFill>
+                  <a:srgbClr val="008000"/>
+                </a:solidFill>
+                <a:effectLst/>
+                <a:latin typeface="Consolas" panose="020B0609020204030204" pitchFamily="49" charset="0"/>
+                <a:cs typeface="Consolas" panose="020B0609020204030204" pitchFamily="49" charset="0"/>
+              </a:rPr>
+              <a:t>#set these two variables</a:t>
+            </a:r>
+            <a:r>
+              <a:rPr kumimoji="0" lang="en-US" altLang="en-US" sz="2800" b="0" i="0" u="none" strike="noStrike" cap="none" normalizeH="0" baseline="0" dirty="0" smtClean="0">
+                <a:ln>
+                  <a:noFill/>
+                </a:ln>
+                <a:solidFill>
+                  <a:srgbClr val="000000"/>
+                </a:solidFill>
+                <a:effectLst/>
+                <a:latin typeface="Consolas" panose="020B0609020204030204" pitchFamily="49" charset="0"/>
+                <a:cs typeface="Consolas" panose="020B0609020204030204" pitchFamily="49" charset="0"/>
+              </a:rPr>
+              <a:t> </a:t>
+            </a:r>
+          </a:p>
+          <a:p>
+            <a:pPr marL="0" marR="0" lvl="0" indent="0" algn="l" defTabSz="914400" rtl="0" eaLnBrk="0" fontAlgn="base" latinLnBrk="0" hangingPunct="0">
+              <a:lnSpc>
+                <a:spcPct val="100000"/>
+              </a:lnSpc>
+              <a:spcBef>
+                <a:spcPct val="0"/>
+              </a:spcBef>
+              <a:spcAft>
+                <a:spcPct val="0"/>
+              </a:spcAft>
+              <a:buClrTx/>
+              <a:buSzTx/>
+              <a:buFontTx/>
+              <a:buNone/>
+              <a:tabLst/>
+            </a:pPr>
+            <a:r>
+              <a:rPr kumimoji="0" lang="en-US" altLang="en-US" sz="2800" b="0" i="0" u="none" strike="noStrike" cap="none" normalizeH="0" baseline="0" dirty="0" err="1" smtClean="0">
+                <a:ln>
+                  <a:noFill/>
+                </a:ln>
+                <a:solidFill>
+                  <a:srgbClr val="000000"/>
+                </a:solidFill>
+                <a:effectLst/>
+                <a:latin typeface="Consolas" panose="020B0609020204030204" pitchFamily="49" charset="0"/>
+                <a:cs typeface="Consolas" panose="020B0609020204030204" pitchFamily="49" charset="0"/>
+              </a:rPr>
+              <a:t>wonLottery</a:t>
+            </a:r>
+            <a:r>
+              <a:rPr kumimoji="0" lang="en-US" altLang="en-US" sz="2800" b="0" i="0" u="none" strike="noStrike" cap="none" normalizeH="0" baseline="0" dirty="0" smtClean="0">
+                <a:ln>
+                  <a:noFill/>
+                </a:ln>
+                <a:solidFill>
+                  <a:srgbClr val="000000"/>
+                </a:solidFill>
+                <a:effectLst/>
+                <a:latin typeface="Consolas" panose="020B0609020204030204" pitchFamily="49" charset="0"/>
+                <a:cs typeface="Consolas" panose="020B0609020204030204" pitchFamily="49" charset="0"/>
+              </a:rPr>
+              <a:t> = </a:t>
+            </a:r>
+            <a:r>
+              <a:rPr kumimoji="0" lang="en-US" altLang="en-US" sz="2800" b="0" i="0" u="none" strike="noStrike" cap="none" normalizeH="0" baseline="0" dirty="0" smtClean="0">
+                <a:ln>
+                  <a:noFill/>
+                </a:ln>
+                <a:solidFill>
+                  <a:srgbClr val="0000FF"/>
+                </a:solidFill>
+                <a:effectLst/>
+                <a:latin typeface="Consolas" panose="020B0609020204030204" pitchFamily="49" charset="0"/>
+                <a:cs typeface="Consolas" panose="020B0609020204030204" pitchFamily="49" charset="0"/>
+              </a:rPr>
+              <a:t>True</a:t>
+            </a:r>
+            <a:r>
+              <a:rPr kumimoji="0" lang="en-US" altLang="en-US" sz="2800" b="0" i="0" u="none" strike="noStrike" cap="none" normalizeH="0" baseline="0" dirty="0" smtClean="0">
+                <a:ln>
+                  <a:noFill/>
+                </a:ln>
+                <a:solidFill>
+                  <a:srgbClr val="000000"/>
+                </a:solidFill>
+                <a:effectLst/>
+                <a:latin typeface="Consolas" panose="020B0609020204030204" pitchFamily="49" charset="0"/>
+                <a:cs typeface="Consolas" panose="020B0609020204030204" pitchFamily="49" charset="0"/>
+              </a:rPr>
+              <a:t> </a:t>
+            </a:r>
+          </a:p>
+          <a:p>
+            <a:pPr marL="0" marR="0" lvl="0" indent="0" algn="l" defTabSz="914400" rtl="0" eaLnBrk="0" fontAlgn="base" latinLnBrk="0" hangingPunct="0">
+              <a:lnSpc>
+                <a:spcPct val="100000"/>
+              </a:lnSpc>
+              <a:spcBef>
+                <a:spcPct val="0"/>
+              </a:spcBef>
+              <a:spcAft>
+                <a:spcPct val="0"/>
+              </a:spcAft>
+              <a:buClrTx/>
+              <a:buSzTx/>
+              <a:buFontTx/>
+              <a:buNone/>
+              <a:tabLst/>
+            </a:pPr>
+            <a:r>
+              <a:rPr kumimoji="0" lang="en-US" altLang="en-US" sz="2800" b="0" i="0" u="none" strike="noStrike" cap="none" normalizeH="0" baseline="0" dirty="0" err="1" smtClean="0">
+                <a:ln>
+                  <a:noFill/>
+                </a:ln>
+                <a:solidFill>
+                  <a:srgbClr val="000000"/>
+                </a:solidFill>
+                <a:effectLst/>
+                <a:latin typeface="Consolas" panose="020B0609020204030204" pitchFamily="49" charset="0"/>
+                <a:cs typeface="Consolas" panose="020B0609020204030204" pitchFamily="49" charset="0"/>
+              </a:rPr>
+              <a:t>bigWin</a:t>
+            </a:r>
+            <a:r>
+              <a:rPr kumimoji="0" lang="en-US" altLang="en-US" sz="2800" b="0" i="0" u="none" strike="noStrike" cap="none" normalizeH="0" baseline="0" dirty="0" smtClean="0">
+                <a:ln>
+                  <a:noFill/>
+                </a:ln>
+                <a:solidFill>
+                  <a:srgbClr val="000000"/>
+                </a:solidFill>
+                <a:effectLst/>
+                <a:latin typeface="Consolas" panose="020B0609020204030204" pitchFamily="49" charset="0"/>
+                <a:cs typeface="Consolas" panose="020B0609020204030204" pitchFamily="49" charset="0"/>
+              </a:rPr>
+              <a:t> = </a:t>
+            </a:r>
+            <a:r>
+              <a:rPr kumimoji="0" lang="en-US" altLang="en-US" sz="2800" b="0" i="0" u="none" strike="noStrike" cap="none" normalizeH="0" baseline="0" dirty="0" smtClean="0">
+                <a:ln>
+                  <a:noFill/>
+                </a:ln>
+                <a:solidFill>
+                  <a:srgbClr val="0000FF"/>
+                </a:solidFill>
+                <a:effectLst/>
+                <a:latin typeface="Consolas" panose="020B0609020204030204" pitchFamily="49" charset="0"/>
+                <a:cs typeface="Consolas" panose="020B0609020204030204" pitchFamily="49" charset="0"/>
+              </a:rPr>
+              <a:t>True</a:t>
+            </a:r>
+            <a:r>
+              <a:rPr kumimoji="0" lang="en-US" altLang="en-US" sz="2800" b="0" i="0" u="none" strike="noStrike" cap="none" normalizeH="0" baseline="0" dirty="0" smtClean="0">
+                <a:ln>
+                  <a:noFill/>
+                </a:ln>
+                <a:solidFill>
+                  <a:srgbClr val="000000"/>
+                </a:solidFill>
+                <a:effectLst/>
+                <a:latin typeface="Consolas" panose="020B0609020204030204" pitchFamily="49" charset="0"/>
+                <a:cs typeface="Consolas" panose="020B0609020204030204" pitchFamily="49" charset="0"/>
+              </a:rPr>
+              <a:t> </a:t>
+            </a:r>
+          </a:p>
+          <a:p>
+            <a:pPr marL="0" marR="0" lvl="0" indent="0" algn="l" defTabSz="914400" rtl="0" eaLnBrk="0" fontAlgn="base" latinLnBrk="0" hangingPunct="0">
+              <a:lnSpc>
+                <a:spcPct val="100000"/>
+              </a:lnSpc>
+              <a:spcBef>
+                <a:spcPct val="0"/>
+              </a:spcBef>
+              <a:spcAft>
+                <a:spcPct val="0"/>
+              </a:spcAft>
+              <a:buClrTx/>
+              <a:buSzTx/>
+              <a:buFontTx/>
+              <a:buNone/>
+              <a:tabLst/>
+            </a:pPr>
+            <a:endParaRPr kumimoji="0" lang="en-US" altLang="en-US" sz="2800" b="0" i="0" u="none" strike="noStrike" cap="none" normalizeH="0" baseline="0" dirty="0" smtClean="0">
+              <a:ln>
+                <a:noFill/>
+              </a:ln>
+              <a:solidFill>
+                <a:srgbClr val="000000"/>
+              </a:solidFill>
+              <a:effectLst/>
+              <a:latin typeface="Consolas" panose="020B0609020204030204" pitchFamily="49" charset="0"/>
+              <a:cs typeface="Consolas" panose="020B0609020204030204" pitchFamily="49" charset="0"/>
+            </a:endParaRPr>
+          </a:p>
+          <a:p>
+            <a:pPr marL="0" marR="0" lvl="0" indent="0" algn="l" defTabSz="914400" rtl="0" eaLnBrk="0" fontAlgn="base" latinLnBrk="0" hangingPunct="0">
+              <a:lnSpc>
+                <a:spcPct val="100000"/>
+              </a:lnSpc>
+              <a:spcBef>
+                <a:spcPct val="0"/>
+              </a:spcBef>
+              <a:spcAft>
+                <a:spcPct val="0"/>
+              </a:spcAft>
+              <a:buClrTx/>
+              <a:buSzTx/>
+              <a:buFontTx/>
+              <a:buNone/>
+              <a:tabLst/>
+            </a:pPr>
+            <a:r>
+              <a:rPr kumimoji="0" lang="en-US" altLang="en-US" sz="2800" b="0" i="0" u="none" strike="noStrike" cap="none" normalizeH="0" baseline="0" dirty="0" smtClean="0">
+                <a:ln>
+                  <a:noFill/>
+                </a:ln>
+                <a:solidFill>
+                  <a:srgbClr val="008000"/>
+                </a:solidFill>
+                <a:effectLst/>
+                <a:latin typeface="Consolas" panose="020B0609020204030204" pitchFamily="49" charset="0"/>
+                <a:cs typeface="Consolas" panose="020B0609020204030204" pitchFamily="49" charset="0"/>
+              </a:rPr>
+              <a:t>#print statement only executes if both conditions are true</a:t>
+            </a:r>
+            <a:r>
+              <a:rPr kumimoji="0" lang="en-US" altLang="en-US" sz="2800" b="0" i="0" u="none" strike="noStrike" cap="none" normalizeH="0" baseline="0" dirty="0" smtClean="0">
+                <a:ln>
+                  <a:noFill/>
+                </a:ln>
+                <a:solidFill>
+                  <a:srgbClr val="000000"/>
+                </a:solidFill>
+                <a:effectLst/>
+                <a:latin typeface="Consolas" panose="020B0609020204030204" pitchFamily="49" charset="0"/>
+                <a:cs typeface="Consolas" panose="020B0609020204030204" pitchFamily="49" charset="0"/>
+              </a:rPr>
+              <a:t> </a:t>
+            </a:r>
+          </a:p>
+          <a:p>
+            <a:pPr marL="0" marR="0" lvl="0" indent="0" algn="l" defTabSz="914400" rtl="0" eaLnBrk="0" fontAlgn="base" latinLnBrk="0" hangingPunct="0">
+              <a:lnSpc>
+                <a:spcPct val="100000"/>
+              </a:lnSpc>
+              <a:spcBef>
+                <a:spcPct val="0"/>
+              </a:spcBef>
+              <a:spcAft>
+                <a:spcPct val="0"/>
+              </a:spcAft>
+              <a:buClrTx/>
+              <a:buSzTx/>
+              <a:buFontTx/>
+              <a:buNone/>
+              <a:tabLst/>
+            </a:pPr>
+            <a:r>
+              <a:rPr kumimoji="0" lang="en-US" altLang="en-US" sz="2800" b="0" i="0" u="none" strike="noStrike" cap="none" normalizeH="0" baseline="0" dirty="0" smtClean="0">
+                <a:ln>
+                  <a:noFill/>
+                </a:ln>
+                <a:solidFill>
+                  <a:srgbClr val="0000FF"/>
+                </a:solidFill>
+                <a:effectLst/>
+                <a:latin typeface="Consolas" panose="020B0609020204030204" pitchFamily="49" charset="0"/>
+                <a:cs typeface="Consolas" panose="020B0609020204030204" pitchFamily="49" charset="0"/>
+              </a:rPr>
+              <a:t>if</a:t>
+            </a:r>
+            <a:r>
+              <a:rPr kumimoji="0" lang="en-US" altLang="en-US" sz="2800" b="0" i="0" u="none" strike="noStrike" cap="none" normalizeH="0" baseline="0" dirty="0" smtClean="0">
+                <a:ln>
+                  <a:noFill/>
+                </a:ln>
+                <a:solidFill>
+                  <a:srgbClr val="000000"/>
+                </a:solidFill>
+                <a:effectLst/>
+                <a:latin typeface="Consolas" panose="020B0609020204030204" pitchFamily="49" charset="0"/>
+                <a:cs typeface="Consolas" panose="020B0609020204030204" pitchFamily="49" charset="0"/>
+              </a:rPr>
+              <a:t> </a:t>
+            </a:r>
+            <a:r>
+              <a:rPr kumimoji="0" lang="en-US" altLang="en-US" sz="2800" b="0" i="0" u="none" strike="noStrike" cap="none" normalizeH="0" baseline="0" dirty="0" err="1" smtClean="0">
+                <a:ln>
+                  <a:noFill/>
+                </a:ln>
+                <a:solidFill>
+                  <a:srgbClr val="000000"/>
+                </a:solidFill>
+                <a:effectLst/>
+                <a:latin typeface="Consolas" panose="020B0609020204030204" pitchFamily="49" charset="0"/>
+                <a:cs typeface="Consolas" panose="020B0609020204030204" pitchFamily="49" charset="0"/>
+              </a:rPr>
+              <a:t>wonLottery</a:t>
+            </a:r>
+            <a:r>
+              <a:rPr kumimoji="0" lang="en-US" altLang="en-US" sz="2800" b="0" i="0" u="none" strike="noStrike" cap="none" normalizeH="0" baseline="0" dirty="0" smtClean="0">
+                <a:ln>
+                  <a:noFill/>
+                </a:ln>
+                <a:solidFill>
+                  <a:srgbClr val="000000"/>
+                </a:solidFill>
+                <a:effectLst/>
+                <a:latin typeface="Consolas" panose="020B0609020204030204" pitchFamily="49" charset="0"/>
+                <a:cs typeface="Consolas" panose="020B0609020204030204" pitchFamily="49" charset="0"/>
+              </a:rPr>
+              <a:t> </a:t>
+            </a:r>
+            <a:r>
+              <a:rPr kumimoji="0" lang="en-US" altLang="en-US" sz="2800" b="0" i="0" u="none" strike="noStrike" cap="none" normalizeH="0" baseline="0" dirty="0" smtClean="0">
+                <a:ln>
+                  <a:noFill/>
+                </a:ln>
+                <a:solidFill>
+                  <a:srgbClr val="0000FF"/>
+                </a:solidFill>
+                <a:effectLst/>
+                <a:latin typeface="Consolas" panose="020B0609020204030204" pitchFamily="49" charset="0"/>
+                <a:cs typeface="Consolas" panose="020B0609020204030204" pitchFamily="49" charset="0"/>
+              </a:rPr>
+              <a:t>and</a:t>
+            </a:r>
+            <a:r>
+              <a:rPr kumimoji="0" lang="en-US" altLang="en-US" sz="2800" b="0" i="0" u="none" strike="noStrike" cap="none" normalizeH="0" baseline="0" dirty="0" smtClean="0">
+                <a:ln>
+                  <a:noFill/>
+                </a:ln>
+                <a:solidFill>
+                  <a:srgbClr val="000000"/>
+                </a:solidFill>
+                <a:effectLst/>
+                <a:latin typeface="Consolas" panose="020B0609020204030204" pitchFamily="49" charset="0"/>
+                <a:cs typeface="Consolas" panose="020B0609020204030204" pitchFamily="49" charset="0"/>
+              </a:rPr>
+              <a:t> </a:t>
+            </a:r>
+            <a:r>
+              <a:rPr kumimoji="0" lang="en-US" altLang="en-US" sz="2800" b="0" i="0" u="none" strike="noStrike" cap="none" normalizeH="0" baseline="0" dirty="0" err="1" smtClean="0">
+                <a:ln>
+                  <a:noFill/>
+                </a:ln>
+                <a:solidFill>
+                  <a:srgbClr val="000000"/>
+                </a:solidFill>
+                <a:effectLst/>
+                <a:latin typeface="Consolas" panose="020B0609020204030204" pitchFamily="49" charset="0"/>
+                <a:cs typeface="Consolas" panose="020B0609020204030204" pitchFamily="49" charset="0"/>
+              </a:rPr>
+              <a:t>bigWin</a:t>
+            </a:r>
+            <a:r>
+              <a:rPr kumimoji="0" lang="en-US" altLang="en-US" sz="2800" b="0" i="0" u="none" strike="noStrike" cap="none" normalizeH="0" baseline="0" dirty="0" smtClean="0">
+                <a:ln>
+                  <a:noFill/>
+                </a:ln>
+                <a:solidFill>
+                  <a:srgbClr val="000000"/>
+                </a:solidFill>
+                <a:effectLst/>
+                <a:latin typeface="Consolas" panose="020B0609020204030204" pitchFamily="49" charset="0"/>
+                <a:cs typeface="Consolas" panose="020B0609020204030204" pitchFamily="49" charset="0"/>
+              </a:rPr>
+              <a:t> :</a:t>
+            </a:r>
+          </a:p>
+          <a:p>
+            <a:pPr marL="0" marR="0" lvl="0" indent="0" algn="l" defTabSz="914400" rtl="0" eaLnBrk="0" fontAlgn="base" latinLnBrk="0" hangingPunct="0">
+              <a:lnSpc>
+                <a:spcPct val="100000"/>
+              </a:lnSpc>
+              <a:spcBef>
+                <a:spcPct val="0"/>
+              </a:spcBef>
+              <a:spcAft>
+                <a:spcPct val="0"/>
+              </a:spcAft>
+              <a:buClrTx/>
+              <a:buSzTx/>
+              <a:buFontTx/>
+              <a:buNone/>
+              <a:tabLst/>
+            </a:pPr>
+            <a:r>
+              <a:rPr kumimoji="0" lang="en-US" altLang="en-US" sz="2800" b="0" i="0" u="none" strike="noStrike" cap="none" normalizeH="0" baseline="0" dirty="0" smtClean="0">
+                <a:ln>
+                  <a:noFill/>
+                </a:ln>
+                <a:solidFill>
+                  <a:srgbClr val="000000"/>
+                </a:solidFill>
+                <a:effectLst/>
+                <a:latin typeface="Consolas" panose="020B0609020204030204" pitchFamily="49" charset="0"/>
+                <a:cs typeface="Consolas" panose="020B0609020204030204" pitchFamily="49" charset="0"/>
+              </a:rPr>
+              <a:t>     print(</a:t>
+            </a:r>
+            <a:r>
+              <a:rPr kumimoji="0" lang="en-US" altLang="en-US" sz="2800" b="0" i="0" u="none" strike="noStrike" cap="none" normalizeH="0" baseline="0" dirty="0" smtClean="0">
+                <a:ln>
+                  <a:noFill/>
+                </a:ln>
+                <a:solidFill>
+                  <a:srgbClr val="A31515"/>
+                </a:solidFill>
+                <a:effectLst/>
+                <a:latin typeface="Consolas" panose="020B0609020204030204" pitchFamily="49" charset="0"/>
+                <a:cs typeface="Consolas" panose="020B0609020204030204" pitchFamily="49" charset="0"/>
+              </a:rPr>
+              <a:t>"you can retire"</a:t>
+            </a:r>
+            <a:r>
+              <a:rPr kumimoji="0" lang="en-US" altLang="en-US" sz="2800" b="0" i="0" u="none" strike="noStrike" cap="none" normalizeH="0" baseline="0" dirty="0" smtClean="0">
+                <a:ln>
+                  <a:noFill/>
+                </a:ln>
+                <a:solidFill>
+                  <a:srgbClr val="000000"/>
+                </a:solidFill>
+                <a:effectLst/>
+                <a:latin typeface="Consolas" panose="020B0609020204030204" pitchFamily="49" charset="0"/>
+                <a:cs typeface="Consolas" panose="020B0609020204030204" pitchFamily="49" charset="0"/>
+              </a:rPr>
+              <a:t>)</a:t>
+            </a:r>
+            <a:endParaRPr kumimoji="0" lang="en-US" altLang="en-US" sz="2800" b="0" i="0" u="none" strike="noStrike" cap="none" normalizeH="0" baseline="0" dirty="0" smtClean="0">
+              <a:ln>
+                <a:noFill/>
+              </a:ln>
+              <a:solidFill>
+                <a:schemeClr val="tx1"/>
+              </a:solidFill>
+              <a:effectLst/>
+              <a:latin typeface="Arial" panose="020B0604020202020204" pitchFamily="34" charset="0"/>
+            </a:endParaRPr>
+          </a:p>
+        </p:txBody>
+      </p:sp>
+    </p:spTree>
+    <p:extLst>
+      <p:ext uri="{BB962C8B-B14F-4D97-AF65-F5344CB8AC3E}">
+        <p14:creationId xmlns:p14="http://schemas.microsoft.com/office/powerpoint/2010/main" val="502952146"/>
+      </p:ext>
+    </p:extLst>
+  </p:cSld>
+  <p:clrMapOvr>
+    <a:masterClrMapping/>
+  </p:clrMapOvr>
+  <p:timing>
+    <p:tnLst>
+      <p:par>
+        <p:cTn id="1" dur="indefinite" restart="never" nodeType="tmRoot"/>
+      </p:par>
+    </p:tnLst>
+  </p:timing>
+</p:sld>
+</file>
+
+<file path=ppt/slides/slide12.xml><?xml version="1.0" encoding="utf-8"?>
 <p:sld xmlns:a="http://schemas.openxmlformats.org/drawingml/2006/main" xmlns:r="http://schemas.openxmlformats.org/officeDocument/2006/relationships" xmlns:p="http://schemas.openxmlformats.org/presentationml/2006/main">
   <p:cSld>
     <p:spTree>
@@ -4060,7 +4784,7 @@
 </p:sld>
 </file>
 
-<file path=ppt/slides/slide11.xml><?xml version="1.0" encoding="utf-8"?>
+<file path=ppt/slides/slide13.xml><?xml version="1.0" encoding="utf-8"?>
 <p:sld xmlns:a="http://schemas.openxmlformats.org/drawingml/2006/main" xmlns:r="http://schemas.openxmlformats.org/officeDocument/2006/relationships" xmlns:p="http://schemas.openxmlformats.org/presentationml/2006/main">
   <p:cSld>
     <p:spTree>
@@ -4113,7 +4837,7 @@
 </p:sld>
 </file>
 
-<file path=ppt/slides/slide12.xml><?xml version="1.0" encoding="utf-8"?>
+<file path=ppt/slides/slide14.xml><?xml version="1.0" encoding="utf-8"?>
 <p:sld xmlns:a="http://schemas.openxmlformats.org/drawingml/2006/main" xmlns:r="http://schemas.openxmlformats.org/officeDocument/2006/relationships" xmlns:p="http://schemas.openxmlformats.org/presentationml/2006/main">
   <p:cSld>
     <p:spTree>
@@ -4357,7 +5081,7 @@
 </p:sld>
 </file>
 
-<file path=ppt/slides/slide13.xml><?xml version="1.0" encoding="utf-8"?>
+<file path=ppt/slides/slide15.xml><?xml version="1.0" encoding="utf-8"?>
 <p:sld xmlns:a="http://schemas.openxmlformats.org/drawingml/2006/main" xmlns:r="http://schemas.openxmlformats.org/officeDocument/2006/relationships" xmlns:p="http://schemas.openxmlformats.org/presentationml/2006/main">
   <p:cSld>
     <p:spTree>
@@ -4445,7 +5169,7 @@
 </p:sld>
 </file>
 
-<file path=ppt/slides/slide14.xml><?xml version="1.0" encoding="utf-8"?>
+<file path=ppt/slides/slide16.xml><?xml version="1.0" encoding="utf-8"?>
 <p:sld xmlns:a="http://schemas.openxmlformats.org/drawingml/2006/main" xmlns:r="http://schemas.openxmlformats.org/officeDocument/2006/relationships" xmlns:p="http://schemas.openxmlformats.org/presentationml/2006/main">
   <p:cSld>
     <p:spTree>
@@ -5079,7 +5803,7 @@
 </p:sld>
 </file>
 
-<file path=ppt/slides/slide15.xml><?xml version="1.0" encoding="utf-8"?>
+<file path=ppt/slides/slide17.xml><?xml version="1.0" encoding="utf-8"?>
 <p:sld xmlns:a="http://schemas.openxmlformats.org/drawingml/2006/main" xmlns:r="http://schemas.openxmlformats.org/officeDocument/2006/relationships" xmlns:p="http://schemas.openxmlformats.org/presentationml/2006/main">
   <p:cSld>
     <p:spTree>
@@ -5519,7 +6243,7 @@
 </p:sld>
 </file>
 
-<file path=ppt/slides/slide16.xml><?xml version="1.0" encoding="utf-8"?>
+<file path=ppt/slides/slide18.xml><?xml version="1.0" encoding="utf-8"?>
 <p:sld xmlns:a="http://schemas.openxmlformats.org/drawingml/2006/main" xmlns:r="http://schemas.openxmlformats.org/officeDocument/2006/relationships" xmlns:p="http://schemas.openxmlformats.org/presentationml/2006/main">
   <p:cSld>
     <p:spTree>
@@ -5572,7 +6296,7 @@
 </p:sld>
 </file>
 
-<file path=ppt/slides/slide17.xml><?xml version="1.0" encoding="utf-8"?>
+<file path=ppt/slides/slide19.xml><?xml version="1.0" encoding="utf-8"?>
 <p:sld xmlns:a="http://schemas.openxmlformats.org/drawingml/2006/main" xmlns:r="http://schemas.openxmlformats.org/officeDocument/2006/relationships" xmlns:p="http://schemas.openxmlformats.org/presentationml/2006/main">
   <p:cSld>
     <p:spTree>
@@ -6741,7 +7465,318 @@
 </p:sld>
 </file>
 
-<file path=ppt/slides/slide18.xml><?xml version="1.0" encoding="utf-8"?>
+<file path=ppt/slides/slide2.xml><?xml version="1.0" encoding="utf-8"?>
+<p:sld xmlns:a="http://schemas.openxmlformats.org/drawingml/2006/main" xmlns:r="http://schemas.openxmlformats.org/officeDocument/2006/relationships" xmlns:p="http://schemas.openxmlformats.org/presentationml/2006/main">
+  <p:cSld>
+    <p:spTree>
+      <p:nvGrpSpPr>
+        <p:cNvPr id="1" name=""/>
+        <p:cNvGrpSpPr/>
+        <p:nvPr/>
+      </p:nvGrpSpPr>
+      <p:grpSpPr>
+        <a:xfrm>
+          <a:off x="0" y="0"/>
+          <a:ext cx="0" cy="0"/>
+          <a:chOff x="0" y="0"/>
+          <a:chExt cx="0" cy="0"/>
+        </a:xfrm>
+      </p:grpSpPr>
+      <p:sp>
+        <p:nvSpPr>
+          <p:cNvPr id="4" name="Title 3"/>
+          <p:cNvSpPr>
+            <a:spLocks noGrp="1"/>
+          </p:cNvSpPr>
+          <p:nvPr>
+            <p:ph type="title"/>
+          </p:nvPr>
+        </p:nvSpPr>
+        <p:spPr/>
+        <p:txBody>
+          <a:bodyPr>
+            <a:normAutofit fontScale="90000"/>
+          </a:bodyPr>
+          <a:lstStyle/>
+          <a:p>
+            <a:r>
+              <a:rPr lang="en-CA" dirty="0" smtClean="0"/>
+              <a:t>Sometimes there are multiple conditions that affect the outcome of a decision</a:t>
+            </a:r>
+            <a:endParaRPr lang="en-US" dirty="0"/>
+          </a:p>
+        </p:txBody>
+      </p:sp>
+      <p:sp>
+        <p:nvSpPr>
+          <p:cNvPr id="5" name="Content Placeholder 4"/>
+          <p:cNvSpPr>
+            <a:spLocks noGrp="1"/>
+          </p:cNvSpPr>
+          <p:nvPr>
+            <p:ph sz="quarter" idx="10"/>
+          </p:nvPr>
+        </p:nvSpPr>
+        <p:spPr/>
+        <p:txBody>
+          <a:bodyPr/>
+          <a:lstStyle/>
+          <a:p>
+            <a:r>
+              <a:rPr lang="en-CA" dirty="0"/>
+              <a:t>If you are in </a:t>
+            </a:r>
+            <a:r>
+              <a:rPr lang="en-CA" dirty="0" smtClean="0"/>
+              <a:t>England </a:t>
+            </a:r>
+            <a:r>
+              <a:rPr lang="en-CA" dirty="0"/>
+              <a:t>say </a:t>
+            </a:r>
+            <a:r>
+              <a:rPr lang="en-CA" dirty="0" smtClean="0"/>
+              <a:t>hello, </a:t>
+            </a:r>
+            <a:r>
+              <a:rPr lang="en-CA" dirty="0"/>
+              <a:t>if you are in Germany </a:t>
+            </a:r>
+            <a:r>
+              <a:rPr lang="en-CA" dirty="0" smtClean="0"/>
+              <a:t>say </a:t>
+            </a:r>
+            <a:r>
+              <a:rPr lang="en-CA" dirty="0" err="1"/>
+              <a:t>g</a:t>
+            </a:r>
+            <a:r>
+              <a:rPr lang="en-CA" dirty="0" err="1" smtClean="0"/>
+              <a:t>uten</a:t>
+            </a:r>
+            <a:r>
+              <a:rPr lang="en-CA" dirty="0" smtClean="0"/>
+              <a:t> tag, </a:t>
+            </a:r>
+            <a:r>
+              <a:rPr lang="en-CA" dirty="0"/>
+              <a:t>if you are in France </a:t>
+            </a:r>
+            <a:r>
+              <a:rPr lang="en-CA" dirty="0" smtClean="0"/>
+              <a:t>say bonjour, </a:t>
+            </a:r>
+            <a:r>
+              <a:rPr lang="en-CA" dirty="0"/>
+              <a:t>…</a:t>
+            </a:r>
+          </a:p>
+          <a:p>
+            <a:r>
+              <a:rPr lang="en-CA" dirty="0" smtClean="0"/>
+              <a:t>If you win the lottery and the prize is over a million dollars then retire to a life of luxury</a:t>
+            </a:r>
+          </a:p>
+          <a:p>
+            <a:r>
+              <a:rPr lang="en-CA" dirty="0"/>
+              <a:t>If it is Monday, check to see if there is fresh coffee. If there is no fresh coffee go to the nearest café </a:t>
+            </a:r>
+            <a:endParaRPr lang="en-US" dirty="0"/>
+          </a:p>
+        </p:txBody>
+      </p:sp>
+    </p:spTree>
+    <p:extLst>
+      <p:ext uri="{BB962C8B-B14F-4D97-AF65-F5344CB8AC3E}">
+        <p14:creationId xmlns:p14="http://schemas.microsoft.com/office/powerpoint/2010/main" val="308438886"/>
+      </p:ext>
+    </p:extLst>
+  </p:cSld>
+  <p:clrMapOvr>
+    <a:masterClrMapping/>
+  </p:clrMapOvr>
+  <p:timing>
+    <p:tnLst>
+      <p:par>
+        <p:cTn id="1" dur="indefinite" restart="never" nodeType="tmRoot">
+          <p:childTnLst>
+            <p:seq concurrent="1" nextAc="seek">
+              <p:cTn id="2" dur="indefinite" nodeType="mainSeq">
+                <p:childTnLst>
+                  <p:par>
+                    <p:cTn id="3" fill="hold">
+                      <p:stCondLst>
+                        <p:cond delay="indefinite"/>
+                      </p:stCondLst>
+                      <p:childTnLst>
+                        <p:par>
+                          <p:cTn id="4" fill="hold">
+                            <p:stCondLst>
+                              <p:cond delay="0"/>
+                            </p:stCondLst>
+                            <p:childTnLst>
+                              <p:par>
+                                <p:cTn id="5" presetID="1" presetClass="entr" presetSubtype="0" fill="hold" nodeType="clickEffect">
+                                  <p:stCondLst>
+                                    <p:cond delay="0"/>
+                                  </p:stCondLst>
+                                  <p:childTnLst>
+                                    <p:set>
+                                      <p:cBhvr>
+                                        <p:cTn id="6" dur="1" fill="hold">
+                                          <p:stCondLst>
+                                            <p:cond delay="0"/>
+                                          </p:stCondLst>
+                                        </p:cTn>
+                                        <p:tgtEl>
+                                          <p:spTgt spid="5">
+                                            <p:txEl>
+                                              <p:pRg st="0" end="0"/>
+                                            </p:txEl>
+                                          </p:spTgt>
+                                        </p:tgtEl>
+                                        <p:attrNameLst>
+                                          <p:attrName>style.visibility</p:attrName>
+                                        </p:attrNameLst>
+                                      </p:cBhvr>
+                                      <p:to>
+                                        <p:strVal val="visible"/>
+                                      </p:to>
+                                    </p:set>
+                                  </p:childTnLst>
+                                </p:cTn>
+                              </p:par>
+                            </p:childTnLst>
+                          </p:cTn>
+                        </p:par>
+                      </p:childTnLst>
+                    </p:cTn>
+                  </p:par>
+                  <p:par>
+                    <p:cTn id="7" fill="hold">
+                      <p:stCondLst>
+                        <p:cond delay="indefinite"/>
+                      </p:stCondLst>
+                      <p:childTnLst>
+                        <p:par>
+                          <p:cTn id="8" fill="hold">
+                            <p:stCondLst>
+                              <p:cond delay="0"/>
+                            </p:stCondLst>
+                            <p:childTnLst>
+                              <p:par>
+                                <p:cTn id="9" presetID="1" presetClass="entr" presetSubtype="0" fill="hold" nodeType="clickEffect">
+                                  <p:stCondLst>
+                                    <p:cond delay="0"/>
+                                  </p:stCondLst>
+                                  <p:childTnLst>
+                                    <p:set>
+                                      <p:cBhvr>
+                                        <p:cTn id="10" dur="1" fill="hold">
+                                          <p:stCondLst>
+                                            <p:cond delay="0"/>
+                                          </p:stCondLst>
+                                        </p:cTn>
+                                        <p:tgtEl>
+                                          <p:spTgt spid="5">
+                                            <p:txEl>
+                                              <p:pRg st="1" end="1"/>
+                                            </p:txEl>
+                                          </p:spTgt>
+                                        </p:tgtEl>
+                                        <p:attrNameLst>
+                                          <p:attrName>style.visibility</p:attrName>
+                                        </p:attrNameLst>
+                                      </p:cBhvr>
+                                      <p:to>
+                                        <p:strVal val="visible"/>
+                                      </p:to>
+                                    </p:set>
+                                  </p:childTnLst>
+                                </p:cTn>
+                              </p:par>
+                            </p:childTnLst>
+                          </p:cTn>
+                        </p:par>
+                      </p:childTnLst>
+                    </p:cTn>
+                  </p:par>
+                  <p:par>
+                    <p:cTn id="11" fill="hold">
+                      <p:stCondLst>
+                        <p:cond delay="indefinite"/>
+                      </p:stCondLst>
+                      <p:childTnLst>
+                        <p:par>
+                          <p:cTn id="12" fill="hold">
+                            <p:stCondLst>
+                              <p:cond delay="0"/>
+                            </p:stCondLst>
+                            <p:childTnLst>
+                              <p:par>
+                                <p:cTn id="13" presetID="1" presetClass="entr" presetSubtype="0" fill="hold" nodeType="clickEffect">
+                                  <p:stCondLst>
+                                    <p:cond delay="0"/>
+                                  </p:stCondLst>
+                                  <p:childTnLst>
+                                    <p:set>
+                                      <p:cBhvr>
+                                        <p:cTn id="14" dur="1" fill="hold">
+                                          <p:stCondLst>
+                                            <p:cond delay="0"/>
+                                          </p:stCondLst>
+                                        </p:cTn>
+                                        <p:tgtEl>
+                                          <p:spTgt spid="5">
+                                            <p:txEl>
+                                              <p:pRg st="2" end="2"/>
+                                            </p:txEl>
+                                          </p:spTgt>
+                                        </p:tgtEl>
+                                        <p:attrNameLst>
+                                          <p:attrName>style.visibility</p:attrName>
+                                        </p:attrNameLst>
+                                      </p:cBhvr>
+                                      <p:to>
+                                        <p:strVal val="visible"/>
+                                      </p:to>
+                                    </p:set>
+                                  </p:childTnLst>
+                                </p:cTn>
+                              </p:par>
+                            </p:childTnLst>
+                          </p:cTn>
+                        </p:par>
+                      </p:childTnLst>
+                    </p:cTn>
+                  </p:par>
+                </p:childTnLst>
+              </p:cTn>
+              <p:prevCondLst>
+                <p:cond evt="onPrev" delay="0">
+                  <p:tgtEl>
+                    <p:sldTgt/>
+                  </p:tgtEl>
+                </p:cond>
+              </p:prevCondLst>
+              <p:nextCondLst>
+                <p:cond evt="onNext" delay="0">
+                  <p:tgtEl>
+                    <p:sldTgt/>
+                  </p:tgtEl>
+                </p:cond>
+              </p:nextCondLst>
+            </p:seq>
+          </p:childTnLst>
+        </p:cTn>
+      </p:par>
+    </p:tnLst>
+  </p:timing>
+</p:sld>
+</file>
+
+<file path=ppt/slides/slide20.xml><?xml version="1.0" encoding="utf-8"?>
 <p:sld xmlns:a="http://schemas.openxmlformats.org/drawingml/2006/main" xmlns:r="http://schemas.openxmlformats.org/officeDocument/2006/relationships" xmlns:p="http://schemas.openxmlformats.org/presentationml/2006/main">
   <p:cSld>
     <p:spTree>
@@ -7518,7 +8553,7 @@
 </p:sld>
 </file>
 
-<file path=ppt/slides/slide19.xml><?xml version="1.0" encoding="utf-8"?>
+<file path=ppt/slides/slide21.xml><?xml version="1.0" encoding="utf-8"?>
 <p:sld xmlns:a="http://schemas.openxmlformats.org/drawingml/2006/main" xmlns:r="http://schemas.openxmlformats.org/officeDocument/2006/relationships" xmlns:p="http://schemas.openxmlformats.org/presentationml/2006/main">
   <p:cSld>
     <p:spTree>
@@ -7571,318 +8606,7 @@
 </p:sld>
 </file>
 
-<file path=ppt/slides/slide2.xml><?xml version="1.0" encoding="utf-8"?>
-<p:sld xmlns:a="http://schemas.openxmlformats.org/drawingml/2006/main" xmlns:r="http://schemas.openxmlformats.org/officeDocument/2006/relationships" xmlns:p="http://schemas.openxmlformats.org/presentationml/2006/main">
-  <p:cSld>
-    <p:spTree>
-      <p:nvGrpSpPr>
-        <p:cNvPr id="1" name=""/>
-        <p:cNvGrpSpPr/>
-        <p:nvPr/>
-      </p:nvGrpSpPr>
-      <p:grpSpPr>
-        <a:xfrm>
-          <a:off x="0" y="0"/>
-          <a:ext cx="0" cy="0"/>
-          <a:chOff x="0" y="0"/>
-          <a:chExt cx="0" cy="0"/>
-        </a:xfrm>
-      </p:grpSpPr>
-      <p:sp>
-        <p:nvSpPr>
-          <p:cNvPr id="4" name="Title 3"/>
-          <p:cNvSpPr>
-            <a:spLocks noGrp="1"/>
-          </p:cNvSpPr>
-          <p:nvPr>
-            <p:ph type="title"/>
-          </p:nvPr>
-        </p:nvSpPr>
-        <p:spPr/>
-        <p:txBody>
-          <a:bodyPr>
-            <a:normAutofit fontScale="90000"/>
-          </a:bodyPr>
-          <a:lstStyle/>
-          <a:p>
-            <a:r>
-              <a:rPr lang="en-CA" dirty="0" smtClean="0"/>
-              <a:t>Sometimes there are multiple conditions that affect the outcome of a decision</a:t>
-            </a:r>
-            <a:endParaRPr lang="en-US" dirty="0"/>
-          </a:p>
-        </p:txBody>
-      </p:sp>
-      <p:sp>
-        <p:nvSpPr>
-          <p:cNvPr id="5" name="Content Placeholder 4"/>
-          <p:cNvSpPr>
-            <a:spLocks noGrp="1"/>
-          </p:cNvSpPr>
-          <p:nvPr>
-            <p:ph sz="quarter" idx="10"/>
-          </p:nvPr>
-        </p:nvSpPr>
-        <p:spPr/>
-        <p:txBody>
-          <a:bodyPr/>
-          <a:lstStyle/>
-          <a:p>
-            <a:r>
-              <a:rPr lang="en-CA" dirty="0"/>
-              <a:t>If you are in </a:t>
-            </a:r>
-            <a:r>
-              <a:rPr lang="en-CA" dirty="0" smtClean="0"/>
-              <a:t>England </a:t>
-            </a:r>
-            <a:r>
-              <a:rPr lang="en-CA" dirty="0"/>
-              <a:t>say </a:t>
-            </a:r>
-            <a:r>
-              <a:rPr lang="en-CA" dirty="0" smtClean="0"/>
-              <a:t>hello, </a:t>
-            </a:r>
-            <a:r>
-              <a:rPr lang="en-CA" dirty="0"/>
-              <a:t>if you are in Germany </a:t>
-            </a:r>
-            <a:r>
-              <a:rPr lang="en-CA" dirty="0" smtClean="0"/>
-              <a:t>say </a:t>
-            </a:r>
-            <a:r>
-              <a:rPr lang="en-CA" dirty="0" err="1"/>
-              <a:t>g</a:t>
-            </a:r>
-            <a:r>
-              <a:rPr lang="en-CA" dirty="0" err="1" smtClean="0"/>
-              <a:t>uten</a:t>
-            </a:r>
-            <a:r>
-              <a:rPr lang="en-CA" dirty="0" smtClean="0"/>
-              <a:t> tag, </a:t>
-            </a:r>
-            <a:r>
-              <a:rPr lang="en-CA" dirty="0"/>
-              <a:t>if you are in France </a:t>
-            </a:r>
-            <a:r>
-              <a:rPr lang="en-CA" dirty="0" smtClean="0"/>
-              <a:t>say bonjour, </a:t>
-            </a:r>
-            <a:r>
-              <a:rPr lang="en-CA" dirty="0"/>
-              <a:t>…</a:t>
-            </a:r>
-          </a:p>
-          <a:p>
-            <a:r>
-              <a:rPr lang="en-CA" dirty="0" smtClean="0"/>
-              <a:t>If you win the lottery and the prize is over a million dollars then retire to a life of luxury</a:t>
-            </a:r>
-          </a:p>
-          <a:p>
-            <a:r>
-              <a:rPr lang="en-CA" dirty="0"/>
-              <a:t>If it is Monday, check to see if there is fresh coffee. If there is no fresh coffee go to the nearest café </a:t>
-            </a:r>
-            <a:endParaRPr lang="en-US" dirty="0"/>
-          </a:p>
-        </p:txBody>
-      </p:sp>
-    </p:spTree>
-    <p:extLst>
-      <p:ext uri="{BB962C8B-B14F-4D97-AF65-F5344CB8AC3E}">
-        <p14:creationId xmlns:p14="http://schemas.microsoft.com/office/powerpoint/2010/main" val="308438886"/>
-      </p:ext>
-    </p:extLst>
-  </p:cSld>
-  <p:clrMapOvr>
-    <a:masterClrMapping/>
-  </p:clrMapOvr>
-  <p:timing>
-    <p:tnLst>
-      <p:par>
-        <p:cTn id="1" dur="indefinite" restart="never" nodeType="tmRoot">
-          <p:childTnLst>
-            <p:seq concurrent="1" nextAc="seek">
-              <p:cTn id="2" dur="indefinite" nodeType="mainSeq">
-                <p:childTnLst>
-                  <p:par>
-                    <p:cTn id="3" fill="hold">
-                      <p:stCondLst>
-                        <p:cond delay="indefinite"/>
-                      </p:stCondLst>
-                      <p:childTnLst>
-                        <p:par>
-                          <p:cTn id="4" fill="hold">
-                            <p:stCondLst>
-                              <p:cond delay="0"/>
-                            </p:stCondLst>
-                            <p:childTnLst>
-                              <p:par>
-                                <p:cTn id="5" presetID="1" presetClass="entr" presetSubtype="0" fill="hold" nodeType="clickEffect">
-                                  <p:stCondLst>
-                                    <p:cond delay="0"/>
-                                  </p:stCondLst>
-                                  <p:childTnLst>
-                                    <p:set>
-                                      <p:cBhvr>
-                                        <p:cTn id="6" dur="1" fill="hold">
-                                          <p:stCondLst>
-                                            <p:cond delay="0"/>
-                                          </p:stCondLst>
-                                        </p:cTn>
-                                        <p:tgtEl>
-                                          <p:spTgt spid="5">
-                                            <p:txEl>
-                                              <p:pRg st="0" end="0"/>
-                                            </p:txEl>
-                                          </p:spTgt>
-                                        </p:tgtEl>
-                                        <p:attrNameLst>
-                                          <p:attrName>style.visibility</p:attrName>
-                                        </p:attrNameLst>
-                                      </p:cBhvr>
-                                      <p:to>
-                                        <p:strVal val="visible"/>
-                                      </p:to>
-                                    </p:set>
-                                  </p:childTnLst>
-                                </p:cTn>
-                              </p:par>
-                            </p:childTnLst>
-                          </p:cTn>
-                        </p:par>
-                      </p:childTnLst>
-                    </p:cTn>
-                  </p:par>
-                  <p:par>
-                    <p:cTn id="7" fill="hold">
-                      <p:stCondLst>
-                        <p:cond delay="indefinite"/>
-                      </p:stCondLst>
-                      <p:childTnLst>
-                        <p:par>
-                          <p:cTn id="8" fill="hold">
-                            <p:stCondLst>
-                              <p:cond delay="0"/>
-                            </p:stCondLst>
-                            <p:childTnLst>
-                              <p:par>
-                                <p:cTn id="9" presetID="1" presetClass="entr" presetSubtype="0" fill="hold" nodeType="clickEffect">
-                                  <p:stCondLst>
-                                    <p:cond delay="0"/>
-                                  </p:stCondLst>
-                                  <p:childTnLst>
-                                    <p:set>
-                                      <p:cBhvr>
-                                        <p:cTn id="10" dur="1" fill="hold">
-                                          <p:stCondLst>
-                                            <p:cond delay="0"/>
-                                          </p:stCondLst>
-                                        </p:cTn>
-                                        <p:tgtEl>
-                                          <p:spTgt spid="5">
-                                            <p:txEl>
-                                              <p:pRg st="1" end="1"/>
-                                            </p:txEl>
-                                          </p:spTgt>
-                                        </p:tgtEl>
-                                        <p:attrNameLst>
-                                          <p:attrName>style.visibility</p:attrName>
-                                        </p:attrNameLst>
-                                      </p:cBhvr>
-                                      <p:to>
-                                        <p:strVal val="visible"/>
-                                      </p:to>
-                                    </p:set>
-                                  </p:childTnLst>
-                                </p:cTn>
-                              </p:par>
-                            </p:childTnLst>
-                          </p:cTn>
-                        </p:par>
-                      </p:childTnLst>
-                    </p:cTn>
-                  </p:par>
-                  <p:par>
-                    <p:cTn id="11" fill="hold">
-                      <p:stCondLst>
-                        <p:cond delay="indefinite"/>
-                      </p:stCondLst>
-                      <p:childTnLst>
-                        <p:par>
-                          <p:cTn id="12" fill="hold">
-                            <p:stCondLst>
-                              <p:cond delay="0"/>
-                            </p:stCondLst>
-                            <p:childTnLst>
-                              <p:par>
-                                <p:cTn id="13" presetID="1" presetClass="entr" presetSubtype="0" fill="hold" nodeType="clickEffect">
-                                  <p:stCondLst>
-                                    <p:cond delay="0"/>
-                                  </p:stCondLst>
-                                  <p:childTnLst>
-                                    <p:set>
-                                      <p:cBhvr>
-                                        <p:cTn id="14" dur="1" fill="hold">
-                                          <p:stCondLst>
-                                            <p:cond delay="0"/>
-                                          </p:stCondLst>
-                                        </p:cTn>
-                                        <p:tgtEl>
-                                          <p:spTgt spid="5">
-                                            <p:txEl>
-                                              <p:pRg st="2" end="2"/>
-                                            </p:txEl>
-                                          </p:spTgt>
-                                        </p:tgtEl>
-                                        <p:attrNameLst>
-                                          <p:attrName>style.visibility</p:attrName>
-                                        </p:attrNameLst>
-                                      </p:cBhvr>
-                                      <p:to>
-                                        <p:strVal val="visible"/>
-                                      </p:to>
-                                    </p:set>
-                                  </p:childTnLst>
-                                </p:cTn>
-                              </p:par>
-                            </p:childTnLst>
-                          </p:cTn>
-                        </p:par>
-                      </p:childTnLst>
-                    </p:cTn>
-                  </p:par>
-                </p:childTnLst>
-              </p:cTn>
-              <p:prevCondLst>
-                <p:cond evt="onPrev" delay="0">
-                  <p:tgtEl>
-                    <p:sldTgt/>
-                  </p:tgtEl>
-                </p:cond>
-              </p:prevCondLst>
-              <p:nextCondLst>
-                <p:cond evt="onNext" delay="0">
-                  <p:tgtEl>
-                    <p:sldTgt/>
-                  </p:tgtEl>
-                </p:cond>
-              </p:nextCondLst>
-            </p:seq>
-          </p:childTnLst>
-        </p:cTn>
-      </p:par>
-    </p:tnLst>
-  </p:timing>
-</p:sld>
-</file>
-
-<file path=ppt/slides/slide20.xml><?xml version="1.0" encoding="utf-8"?>
+<file path=ppt/slides/slide22.xml><?xml version="1.0" encoding="utf-8"?>
 <p:sld xmlns:a="http://schemas.openxmlformats.org/drawingml/2006/main" xmlns:r="http://schemas.openxmlformats.org/officeDocument/2006/relationships" xmlns:p="http://schemas.openxmlformats.org/presentationml/2006/main">
   <p:cSld>
     <p:spTree>
@@ -7978,7 +8702,7 @@
 </p:sld>
 </file>
 
-<file path=ppt/slides/slide21.xml><?xml version="1.0" encoding="utf-8"?>
+<file path=ppt/slides/slide23.xml><?xml version="1.0" encoding="utf-8"?>
 <p:sld xmlns:a="http://schemas.openxmlformats.org/drawingml/2006/main" xmlns:r="http://schemas.openxmlformats.org/officeDocument/2006/relationships" xmlns:p="http://schemas.openxmlformats.org/presentationml/2006/main">
   <p:cSld>
     <p:spTree>
@@ -8489,7 +9213,7 @@
 </p:sld>
 </file>
 
-<file path=ppt/slides/slide22.xml><?xml version="1.0" encoding="utf-8"?>
+<file path=ppt/slides/slide24.xml><?xml version="1.0" encoding="utf-8"?>
 <p:sld xmlns:a="http://schemas.openxmlformats.org/drawingml/2006/main" xmlns:r="http://schemas.openxmlformats.org/officeDocument/2006/relationships" xmlns:p="http://schemas.openxmlformats.org/presentationml/2006/main">
   <p:cSld>
     <p:spTree>
@@ -8703,7 +9427,7 @@
 </p:sld>
 </file>
 
-<file path=ppt/slides/slide23.xml><?xml version="1.0" encoding="utf-8"?>
+<file path=ppt/slides/slide25.xml><?xml version="1.0" encoding="utf-8"?>
 <p:sld xmlns:a="http://schemas.openxmlformats.org/drawingml/2006/main" xmlns:r="http://schemas.openxmlformats.org/officeDocument/2006/relationships" xmlns:p="http://schemas.openxmlformats.org/presentationml/2006/main">
   <p:cSld>
     <p:spTree>
@@ -9179,7 +9903,7 @@
 </p:sld>
 </file>
 
-<file path=ppt/slides/slide24.xml><?xml version="1.0" encoding="utf-8"?>
+<file path=ppt/slides/slide26.xml><?xml version="1.0" encoding="utf-8"?>
 <p:sld xmlns:a="http://schemas.openxmlformats.org/drawingml/2006/main" xmlns:r="http://schemas.openxmlformats.org/officeDocument/2006/relationships" xmlns:p="http://schemas.openxmlformats.org/presentationml/2006/main">
   <p:cSld>
     <p:spTree>
@@ -9466,7 +10190,83 @@
 </p:sld>
 </file>
 
-<file path=ppt/slides/slide25.xml><?xml version="1.0" encoding="utf-8"?>
+<file path=ppt/slides/slide27.xml><?xml version="1.0" encoding="utf-8"?>
+<p:sld xmlns:a="http://schemas.openxmlformats.org/drawingml/2006/main" xmlns:r="http://schemas.openxmlformats.org/officeDocument/2006/relationships" xmlns:p="http://schemas.openxmlformats.org/presentationml/2006/main">
+  <p:cSld>
+    <p:spTree>
+      <p:nvGrpSpPr>
+        <p:cNvPr id="1" name=""/>
+        <p:cNvGrpSpPr/>
+        <p:nvPr/>
+      </p:nvGrpSpPr>
+      <p:grpSpPr>
+        <a:xfrm>
+          <a:off x="0" y="0"/>
+          <a:ext cx="0" cy="0"/>
+          <a:chOff x="0" y="0"/>
+          <a:chExt cx="0" cy="0"/>
+        </a:xfrm>
+      </p:grpSpPr>
+      <p:sp>
+        <p:nvSpPr>
+          <p:cNvPr id="5" name="Text Placeholder 4"/>
+          <p:cNvSpPr>
+            <a:spLocks noGrp="1"/>
+          </p:cNvSpPr>
+          <p:nvPr>
+            <p:ph type="body" sz="quarter" idx="10"/>
+          </p:nvPr>
+        </p:nvSpPr>
+        <p:spPr/>
+        <p:txBody>
+          <a:bodyPr/>
+          <a:lstStyle/>
+          <a:p>
+            <a:r>
+              <a:rPr lang="en-US" dirty="0" smtClean="0"/>
+              <a:t>Nested </a:t>
+            </a:r>
+            <a:r>
+              <a:rPr lang="en-US" smtClean="0"/>
+              <a:t>if statements</a:t>
+            </a:r>
+            <a:endParaRPr lang="en-US"/>
+          </a:p>
+        </p:txBody>
+      </p:sp>
+      <p:sp>
+        <p:nvSpPr>
+          <p:cNvPr id="4" name="Subtitle 3"/>
+          <p:cNvSpPr>
+            <a:spLocks noGrp="1"/>
+          </p:cNvSpPr>
+          <p:nvPr>
+            <p:ph type="subTitle" idx="1"/>
+          </p:nvPr>
+        </p:nvSpPr>
+        <p:spPr/>
+        <p:txBody>
+          <a:bodyPr/>
+          <a:lstStyle/>
+          <a:p>
+            <a:endParaRPr lang="en-US"/>
+          </a:p>
+        </p:txBody>
+      </p:sp>
+    </p:spTree>
+    <p:extLst>
+      <p:ext uri="{BB962C8B-B14F-4D97-AF65-F5344CB8AC3E}">
+        <p14:creationId xmlns:p14="http://schemas.microsoft.com/office/powerpoint/2010/main" val="2567630727"/>
+      </p:ext>
+    </p:extLst>
+  </p:cSld>
+  <p:clrMapOvr>
+    <a:masterClrMapping/>
+  </p:clrMapOvr>
+</p:sld>
+</file>
+
+<file path=ppt/slides/slide28.xml><?xml version="1.0" encoding="utf-8"?>
 <p:sld xmlns:a="http://schemas.openxmlformats.org/drawingml/2006/main" xmlns:r="http://schemas.openxmlformats.org/officeDocument/2006/relationships" xmlns:p="http://schemas.openxmlformats.org/presentationml/2006/main">
   <p:cSld>
     <p:spTree>
@@ -10387,7 +11187,7 @@
 </p:sld>
 </file>
 
-<file path=ppt/slides/slide26.xml><?xml version="1.0" encoding="utf-8"?>
+<file path=ppt/slides/slide29.xml><?xml version="1.0" encoding="utf-8"?>
 <p:sld xmlns:a="http://schemas.openxmlformats.org/drawingml/2006/main" xmlns:r="http://schemas.openxmlformats.org/officeDocument/2006/relationships" xmlns:p="http://schemas.openxmlformats.org/presentationml/2006/main">
   <p:cSld>
     <p:spTree>
@@ -10440,7 +11240,79 @@
 </p:sld>
 </file>
 
-<file path=ppt/slides/slide27.xml><?xml version="1.0" encoding="utf-8"?>
+<file path=ppt/slides/slide3.xml><?xml version="1.0" encoding="utf-8"?>
+<p:sld xmlns:a="http://schemas.openxmlformats.org/drawingml/2006/main" xmlns:r="http://schemas.openxmlformats.org/officeDocument/2006/relationships" xmlns:p="http://schemas.openxmlformats.org/presentationml/2006/main">
+  <p:cSld>
+    <p:spTree>
+      <p:nvGrpSpPr>
+        <p:cNvPr id="1" name=""/>
+        <p:cNvGrpSpPr/>
+        <p:nvPr/>
+      </p:nvGrpSpPr>
+      <p:grpSpPr>
+        <a:xfrm>
+          <a:off x="0" y="0"/>
+          <a:ext cx="0" cy="0"/>
+          <a:chOff x="0" y="0"/>
+          <a:chExt cx="0" cy="0"/>
+        </a:xfrm>
+      </p:grpSpPr>
+      <p:sp>
+        <p:nvSpPr>
+          <p:cNvPr id="5" name="Text Placeholder 4"/>
+          <p:cNvSpPr>
+            <a:spLocks noGrp="1"/>
+          </p:cNvSpPr>
+          <p:nvPr>
+            <p:ph type="body" sz="quarter" idx="10"/>
+          </p:nvPr>
+        </p:nvSpPr>
+        <p:spPr/>
+        <p:txBody>
+          <a:bodyPr/>
+          <a:lstStyle/>
+          <a:p>
+            <a:r>
+              <a:rPr lang="en-US" dirty="0" smtClean="0"/>
+              <a:t>If, then, otherwise...</a:t>
+            </a:r>
+            <a:endParaRPr lang="en-US" dirty="0"/>
+          </a:p>
+        </p:txBody>
+      </p:sp>
+      <p:sp>
+        <p:nvSpPr>
+          <p:cNvPr id="4" name="Subtitle 3"/>
+          <p:cNvSpPr>
+            <a:spLocks noGrp="1"/>
+          </p:cNvSpPr>
+          <p:nvPr>
+            <p:ph type="subTitle" idx="1"/>
+          </p:nvPr>
+        </p:nvSpPr>
+        <p:spPr/>
+        <p:txBody>
+          <a:bodyPr/>
+          <a:lstStyle/>
+          <a:p>
+            <a:endParaRPr lang="en-US"/>
+          </a:p>
+        </p:txBody>
+      </p:sp>
+    </p:spTree>
+    <p:extLst>
+      <p:ext uri="{BB962C8B-B14F-4D97-AF65-F5344CB8AC3E}">
+        <p14:creationId xmlns:p14="http://schemas.microsoft.com/office/powerpoint/2010/main" val="2846210058"/>
+      </p:ext>
+    </p:extLst>
+  </p:cSld>
+  <p:clrMapOvr>
+    <a:masterClrMapping/>
+  </p:clrMapOvr>
+</p:sld>
+</file>
+
+<file path=ppt/slides/slide30.xml><?xml version="1.0" encoding="utf-8"?>
 <p:sld xmlns:a="http://schemas.openxmlformats.org/drawingml/2006/main" xmlns:r="http://schemas.openxmlformats.org/officeDocument/2006/relationships" xmlns:p="http://schemas.openxmlformats.org/presentationml/2006/main">
   <p:cSld>
     <p:spTree>
@@ -10987,7 +11859,7 @@
 </p:sld>
 </file>
 
-<file path=ppt/slides/slide28.xml><?xml version="1.0" encoding="utf-8"?>
+<file path=ppt/slides/slide31.xml><?xml version="1.0" encoding="utf-8"?>
 <p:sld xmlns:a="http://schemas.openxmlformats.org/drawingml/2006/main" xmlns:r="http://schemas.openxmlformats.org/officeDocument/2006/relationships" xmlns:p="http://schemas.openxmlformats.org/presentationml/2006/main">
   <p:cSld>
     <p:spTree>
@@ -11262,7 +12134,7 @@
 </p:sld>
 </file>
 
-<file path=ppt/slides/slide29.xml><?xml version="1.0" encoding="utf-8"?>
+<file path=ppt/slides/slide32.xml><?xml version="1.0" encoding="utf-8"?>
 <p:sld xmlns:a="http://schemas.openxmlformats.org/drawingml/2006/main" xmlns:r="http://schemas.openxmlformats.org/officeDocument/2006/relationships" xmlns:p="http://schemas.openxmlformats.org/presentationml/2006/main">
   <p:cSld>
     <p:spTree>
@@ -11374,7 +12246,52 @@
 </p:sld>
 </file>
 
-<file path=ppt/slides/slide3.xml><?xml version="1.0" encoding="utf-8"?>
+<file path=ppt/slides/slide33.xml><?xml version="1.0" encoding="utf-8"?>
+<p:sld xmlns:a="http://schemas.openxmlformats.org/drawingml/2006/main" xmlns:r="http://schemas.openxmlformats.org/officeDocument/2006/relationships" xmlns:p="http://schemas.openxmlformats.org/presentationml/2006/main">
+  <p:cSld>
+    <p:spTree>
+      <p:nvGrpSpPr>
+        <p:cNvPr id="1" name=""/>
+        <p:cNvGrpSpPr/>
+        <p:nvPr/>
+      </p:nvGrpSpPr>
+      <p:grpSpPr>
+        <a:xfrm>
+          <a:off x="0" y="0"/>
+          <a:ext cx="0" cy="0"/>
+          <a:chOff x="0" y="0"/>
+          <a:chExt cx="0" cy="0"/>
+        </a:xfrm>
+      </p:grpSpPr>
+    </p:spTree>
+    <p:extLst>
+      <p:ext uri="{BB962C8B-B14F-4D97-AF65-F5344CB8AC3E}">
+        <p14:creationId xmlns:p14="http://schemas.microsoft.com/office/powerpoint/2010/main" val="3436333868"/>
+      </p:ext>
+    </p:extLst>
+  </p:cSld>
+  <p:clrMapOvr>
+    <a:masterClrMapping/>
+  </p:clrMapOvr>
+  <mc:AlternateContent xmlns:mc="http://schemas.openxmlformats.org/markup-compatibility/2006" xmlns:p14="http://schemas.microsoft.com/office/powerpoint/2010/main">
+    <mc:Choice Requires="p14">
+      <p:transition spd="slow" p14:dur="2000"/>
+    </mc:Choice>
+    <mc:Fallback xmlns="">
+      <p:transition spd="slow"/>
+    </mc:Fallback>
+  </mc:AlternateContent>
+  <p:timing>
+    <p:tnLst>
+      <p:par>
+        <p:cTn id="1" dur="indefinite" restart="never" nodeType="tmRoot"/>
+      </p:par>
+    </p:tnLst>
+  </p:timing>
+</p:sld>
+</file>
+
+<file path=ppt/slides/slide4.xml><?xml version="1.0" encoding="utf-8"?>
 <p:sld xmlns:a="http://schemas.openxmlformats.org/drawingml/2006/main" xmlns:r="http://schemas.openxmlformats.org/officeDocument/2006/relationships" xmlns:p="http://schemas.openxmlformats.org/presentationml/2006/main">
   <p:cSld>
     <p:spTree>
@@ -11578,52 +12495,7 @@
 </p:sld>
 </file>
 
-<file path=ppt/slides/slide30.xml><?xml version="1.0" encoding="utf-8"?>
-<p:sld xmlns:a="http://schemas.openxmlformats.org/drawingml/2006/main" xmlns:r="http://schemas.openxmlformats.org/officeDocument/2006/relationships" xmlns:p="http://schemas.openxmlformats.org/presentationml/2006/main">
-  <p:cSld>
-    <p:spTree>
-      <p:nvGrpSpPr>
-        <p:cNvPr id="1" name=""/>
-        <p:cNvGrpSpPr/>
-        <p:nvPr/>
-      </p:nvGrpSpPr>
-      <p:grpSpPr>
-        <a:xfrm>
-          <a:off x="0" y="0"/>
-          <a:ext cx="0" cy="0"/>
-          <a:chOff x="0" y="0"/>
-          <a:chExt cx="0" cy="0"/>
-        </a:xfrm>
-      </p:grpSpPr>
-    </p:spTree>
-    <p:extLst>
-      <p:ext uri="{BB962C8B-B14F-4D97-AF65-F5344CB8AC3E}">
-        <p14:creationId xmlns:p14="http://schemas.microsoft.com/office/powerpoint/2010/main" val="3436333868"/>
-      </p:ext>
-    </p:extLst>
-  </p:cSld>
-  <p:clrMapOvr>
-    <a:masterClrMapping/>
-  </p:clrMapOvr>
-  <mc:AlternateContent xmlns:mc="http://schemas.openxmlformats.org/markup-compatibility/2006" xmlns:p14="http://schemas.microsoft.com/office/powerpoint/2010/main">
-    <mc:Choice Requires="p14">
-      <p:transition spd="slow" p14:dur="2000"/>
-    </mc:Choice>
-    <mc:Fallback xmlns="">
-      <p:transition spd="slow"/>
-    </mc:Fallback>
-  </mc:AlternateContent>
-  <p:timing>
-    <p:tnLst>
-      <p:par>
-        <p:cTn id="1" dur="indefinite" restart="never" nodeType="tmRoot"/>
-      </p:par>
-    </p:tnLst>
-  </p:timing>
-</p:sld>
-</file>
-
-<file path=ppt/slides/slide4.xml><?xml version="1.0" encoding="utf-8"?>
+<file path=ppt/slides/slide5.xml><?xml version="1.0" encoding="utf-8"?>
 <p:sld xmlns:a="http://schemas.openxmlformats.org/drawingml/2006/main" xmlns:r="http://schemas.openxmlformats.org/officeDocument/2006/relationships" xmlns:p="http://schemas.openxmlformats.org/presentationml/2006/main">
   <p:cSld>
     <p:spTree>
@@ -12572,7 +13444,7 @@
 </p:sld>
 </file>
 
-<file path=ppt/slides/slide5.xml><?xml version="1.0" encoding="utf-8"?>
+<file path=ppt/slides/slide6.xml><?xml version="1.0" encoding="utf-8"?>
 <p:sld xmlns:a="http://schemas.openxmlformats.org/drawingml/2006/main" xmlns:r="http://schemas.openxmlformats.org/officeDocument/2006/relationships" xmlns:p="http://schemas.openxmlformats.org/presentationml/2006/main">
   <p:cSld>
     <p:spTree>
@@ -13552,7 +14424,7 @@
 </p:sld>
 </file>
 
-<file path=ppt/slides/slide6.xml><?xml version="1.0" encoding="utf-8"?>
+<file path=ppt/slides/slide7.xml><?xml version="1.0" encoding="utf-8"?>
 <p:sld xmlns:a="http://schemas.openxmlformats.org/drawingml/2006/main" xmlns:r="http://schemas.openxmlformats.org/officeDocument/2006/relationships" xmlns:p="http://schemas.openxmlformats.org/presentationml/2006/main">
   <p:cSld>
     <p:spTree>
@@ -13605,7 +14477,79 @@
 </p:sld>
 </file>
 
-<file path=ppt/slides/slide7.xml><?xml version="1.0" encoding="utf-8"?>
+<file path=ppt/slides/slide8.xml><?xml version="1.0" encoding="utf-8"?>
+<p:sld xmlns:a="http://schemas.openxmlformats.org/drawingml/2006/main" xmlns:r="http://schemas.openxmlformats.org/officeDocument/2006/relationships" xmlns:p="http://schemas.openxmlformats.org/presentationml/2006/main">
+  <p:cSld>
+    <p:spTree>
+      <p:nvGrpSpPr>
+        <p:cNvPr id="1" name=""/>
+        <p:cNvGrpSpPr/>
+        <p:nvPr/>
+      </p:nvGrpSpPr>
+      <p:grpSpPr>
+        <a:xfrm>
+          <a:off x="0" y="0"/>
+          <a:ext cx="0" cy="0"/>
+          <a:chOff x="0" y="0"/>
+          <a:chExt cx="0" cy="0"/>
+        </a:xfrm>
+      </p:grpSpPr>
+      <p:sp>
+        <p:nvSpPr>
+          <p:cNvPr id="4" name="Text Placeholder 3"/>
+          <p:cNvSpPr>
+            <a:spLocks noGrp="1"/>
+          </p:cNvSpPr>
+          <p:nvPr>
+            <p:ph type="body" sz="quarter" idx="10"/>
+          </p:nvPr>
+        </p:nvSpPr>
+        <p:spPr/>
+        <p:txBody>
+          <a:bodyPr/>
+          <a:lstStyle/>
+          <a:p>
+            <a:r>
+              <a:rPr lang="en-US" dirty="0" smtClean="0"/>
+              <a:t>Combining conditions</a:t>
+            </a:r>
+            <a:endParaRPr lang="en-US" dirty="0"/>
+          </a:p>
+        </p:txBody>
+      </p:sp>
+      <p:sp>
+        <p:nvSpPr>
+          <p:cNvPr id="3" name="Subtitle 2"/>
+          <p:cNvSpPr>
+            <a:spLocks noGrp="1"/>
+          </p:cNvSpPr>
+          <p:nvPr>
+            <p:ph type="subTitle" idx="1"/>
+          </p:nvPr>
+        </p:nvSpPr>
+        <p:spPr/>
+        <p:txBody>
+          <a:bodyPr/>
+          <a:lstStyle/>
+          <a:p>
+            <a:endParaRPr lang="en-US"/>
+          </a:p>
+        </p:txBody>
+      </p:sp>
+    </p:spTree>
+    <p:extLst>
+      <p:ext uri="{BB962C8B-B14F-4D97-AF65-F5344CB8AC3E}">
+        <p14:creationId xmlns:p14="http://schemas.microsoft.com/office/powerpoint/2010/main" val="1161163836"/>
+      </p:ext>
+    </p:extLst>
+  </p:cSld>
+  <p:clrMapOvr>
+    <a:masterClrMapping/>
+  </p:clrMapOvr>
+</p:sld>
+</file>
+
+<file path=ppt/slides/slide9.xml><?xml version="1.0" encoding="utf-8"?>
 <p:sld xmlns:a="http://schemas.openxmlformats.org/drawingml/2006/main" xmlns:r="http://schemas.openxmlformats.org/officeDocument/2006/relationships" xmlns:p="http://schemas.openxmlformats.org/presentationml/2006/main">
   <p:cSld>
     <p:spTree>
@@ -13883,728 +14827,6 @@
             </p:seq>
           </p:childTnLst>
         </p:cTn>
-      </p:par>
-    </p:tnLst>
-  </p:timing>
-</p:sld>
-</file>
-
-<file path=ppt/slides/slide8.xml><?xml version="1.0" encoding="utf-8"?>
-<p:sld xmlns:a="http://schemas.openxmlformats.org/drawingml/2006/main" xmlns:r="http://schemas.openxmlformats.org/officeDocument/2006/relationships" xmlns:p="http://schemas.openxmlformats.org/presentationml/2006/main">
-  <p:cSld>
-    <p:spTree>
-      <p:nvGrpSpPr>
-        <p:cNvPr id="1" name=""/>
-        <p:cNvGrpSpPr/>
-        <p:nvPr/>
-      </p:nvGrpSpPr>
-      <p:grpSpPr>
-        <a:xfrm>
-          <a:off x="0" y="0"/>
-          <a:ext cx="0" cy="0"/>
-          <a:chOff x="0" y="0"/>
-          <a:chExt cx="0" cy="0"/>
-        </a:xfrm>
-      </p:grpSpPr>
-      <p:sp>
-        <p:nvSpPr>
-          <p:cNvPr id="2" name="Title 1"/>
-          <p:cNvSpPr>
-            <a:spLocks noGrp="1"/>
-          </p:cNvSpPr>
-          <p:nvPr>
-            <p:ph type="title"/>
-          </p:nvPr>
-        </p:nvSpPr>
-        <p:spPr/>
-        <p:txBody>
-          <a:bodyPr>
-            <a:normAutofit fontScale="90000"/>
-          </a:bodyPr>
-          <a:lstStyle/>
-          <a:p>
-            <a:r>
-              <a:rPr lang="en-CA" dirty="0" smtClean="0"/>
-              <a:t>When you use “and” you are saying all the conditions must be true</a:t>
-            </a:r>
-            <a:r>
-              <a:rPr lang="en-CA" dirty="0"/>
-              <a:t/>
-            </a:r>
-            <a:br>
-              <a:rPr lang="en-CA" dirty="0"/>
-            </a:br>
-            <a:endParaRPr lang="en-US" dirty="0"/>
-          </a:p>
-        </p:txBody>
-      </p:sp>
-      <p:sp>
-        <p:nvSpPr>
-          <p:cNvPr id="3" name="Content Placeholder 2"/>
-          <p:cNvSpPr>
-            <a:spLocks noGrp="1"/>
-          </p:cNvSpPr>
-          <p:nvPr>
-            <p:ph type="body" idx="1"/>
-          </p:nvPr>
-        </p:nvSpPr>
-        <p:spPr/>
-        <p:txBody>
-          <a:bodyPr/>
-          <a:lstStyle/>
-          <a:p>
-            <a:endParaRPr lang="en-US" dirty="0"/>
-          </a:p>
-        </p:txBody>
-      </p:sp>
-    </p:spTree>
-    <p:extLst>
-      <p:ext uri="{BB962C8B-B14F-4D97-AF65-F5344CB8AC3E}">
-        <p14:creationId xmlns:p14="http://schemas.microsoft.com/office/powerpoint/2010/main" val="1325046183"/>
-      </p:ext>
-    </p:extLst>
-  </p:cSld>
-  <p:clrMapOvr>
-    <a:masterClrMapping/>
-  </p:clrMapOvr>
-  <p:timing>
-    <p:tnLst>
-      <p:par>
-        <p:cTn id="1" dur="indefinite" restart="never" nodeType="tmRoot"/>
-      </p:par>
-    </p:tnLst>
-  </p:timing>
-</p:sld>
-</file>
-
-<file path=ppt/slides/slide9.xml><?xml version="1.0" encoding="utf-8"?>
-<p:sld xmlns:a="http://schemas.openxmlformats.org/drawingml/2006/main" xmlns:r="http://schemas.openxmlformats.org/officeDocument/2006/relationships" xmlns:p="http://schemas.openxmlformats.org/presentationml/2006/main">
-  <p:cSld>
-    <p:spTree>
-      <p:nvGrpSpPr>
-        <p:cNvPr id="1" name=""/>
-        <p:cNvGrpSpPr/>
-        <p:nvPr/>
-      </p:nvGrpSpPr>
-      <p:grpSpPr>
-        <a:xfrm>
-          <a:off x="0" y="0"/>
-          <a:ext cx="0" cy="0"/>
-          <a:chOff x="0" y="0"/>
-          <a:chExt cx="0" cy="0"/>
-        </a:xfrm>
-      </p:grpSpPr>
-      <p:sp>
-        <p:nvSpPr>
-          <p:cNvPr id="2" name="Title 1"/>
-          <p:cNvSpPr>
-            <a:spLocks noGrp="1"/>
-          </p:cNvSpPr>
-          <p:nvPr>
-            <p:ph type="title"/>
-          </p:nvPr>
-        </p:nvSpPr>
-        <p:spPr/>
-        <p:txBody>
-          <a:bodyPr>
-            <a:normAutofit fontScale="90000"/>
-          </a:bodyPr>
-          <a:lstStyle/>
-          <a:p>
-            <a:r>
-              <a:rPr lang="en-CA" dirty="0" smtClean="0"/>
-              <a:t>The “and” is only evaluated as True if both conditions are True.</a:t>
-            </a:r>
-            <a:endParaRPr lang="en-US" dirty="0"/>
-          </a:p>
-        </p:txBody>
-      </p:sp>
-      <p:sp>
-        <p:nvSpPr>
-          <p:cNvPr id="4" name="Rectangle 1"/>
-          <p:cNvSpPr>
-            <a:spLocks noGrp="1" noChangeArrowheads="1"/>
-          </p:cNvSpPr>
-          <p:nvPr>
-            <p:ph sz="quarter" idx="10"/>
-          </p:nvPr>
-        </p:nvSpPr>
-        <p:spPr bwMode="auto">
-          <a:xfrm>
-            <a:off x="379514" y="1840196"/>
-            <a:ext cx="11817659" cy="3539430"/>
-          </a:xfrm>
-          <a:prstGeom prst="rect">
-            <a:avLst/>
-          </a:prstGeom>
-          <a:solidFill>
-            <a:srgbClr val="FFFFFF"/>
-          </a:solidFill>
-          <a:ln>
-            <a:noFill/>
-          </a:ln>
-          <a:effectLst/>
-          <a:extLst>
-            <a:ext uri="{91240B29-F687-4F45-9708-019B960494DF}">
-              <a14:hiddenLine xmlns:a14="http://schemas.microsoft.com/office/drawing/2010/main" w="9525">
-                <a:solidFill>
-                  <a:schemeClr val="tx1"/>
-                </a:solidFill>
-                <a:miter lim="800000"/>
-                <a:headEnd/>
-                <a:tailEnd/>
-              </a14:hiddenLine>
-            </a:ext>
-            <a:ext uri="{AF507438-7753-43E0-B8FC-AC1667EBCBE1}">
-              <a14:hiddenEffects xmlns:a14="http://schemas.microsoft.com/office/drawing/2010/main">
-                <a:effectLst>
-                  <a:outerShdw dist="35921" dir="2700000" algn="ctr" rotWithShape="0">
-                    <a:schemeClr val="bg2"/>
-                  </a:outerShdw>
-                </a:effectLst>
-              </a14:hiddenEffects>
-            </a:ext>
-          </a:extLst>
-        </p:spPr>
-        <p:txBody>
-          <a:bodyPr vert="horz" wrap="none" lIns="91440" tIns="45720" rIns="91440" bIns="45720" numCol="1" anchor="ctr" anchorCtr="0" compatLnSpc="1">
-            <a:prstTxWarp prst="textNoShape">
-              <a:avLst/>
-            </a:prstTxWarp>
-            <a:spAutoFit/>
-          </a:bodyPr>
-          <a:lstStyle/>
-          <a:p>
-            <a:pPr marL="0" marR="0" lvl="0" indent="0" algn="l" defTabSz="914400" rtl="0" eaLnBrk="0" fontAlgn="base" latinLnBrk="0" hangingPunct="0">
-              <a:lnSpc>
-                <a:spcPct val="100000"/>
-              </a:lnSpc>
-              <a:spcBef>
-                <a:spcPct val="0"/>
-              </a:spcBef>
-              <a:spcAft>
-                <a:spcPct val="0"/>
-              </a:spcAft>
-              <a:buClrTx/>
-              <a:buSzTx/>
-              <a:buFontTx/>
-              <a:buNone/>
-              <a:tabLst/>
-            </a:pPr>
-            <a:r>
-              <a:rPr kumimoji="0" lang="en-US" altLang="en-US" sz="2800" b="0" i="0" u="none" strike="noStrike" cap="none" normalizeH="0" baseline="0" dirty="0" smtClean="0">
-                <a:ln>
-                  <a:noFill/>
-                </a:ln>
-                <a:solidFill>
-                  <a:srgbClr val="008000"/>
-                </a:solidFill>
-                <a:effectLst/>
-                <a:latin typeface="Consolas" panose="020B0609020204030204" pitchFamily="49" charset="0"/>
-                <a:cs typeface="Consolas" panose="020B0609020204030204" pitchFamily="49" charset="0"/>
-              </a:rPr>
-              <a:t>#Imagine you have code that ran earlier which </a:t>
-            </a:r>
-            <a:r>
-              <a:rPr kumimoji="0" lang="en-US" altLang="en-US" sz="2800" b="0" i="0" u="none" strike="noStrike" cap="none" normalizeH="0" baseline="0" dirty="0" smtClean="0">
-                <a:ln>
-                  <a:noFill/>
-                </a:ln>
-                <a:solidFill>
-                  <a:srgbClr val="000000"/>
-                </a:solidFill>
-                <a:effectLst/>
-                <a:latin typeface="Consolas" panose="020B0609020204030204" pitchFamily="49" charset="0"/>
-                <a:cs typeface="Consolas" panose="020B0609020204030204" pitchFamily="49" charset="0"/>
-              </a:rPr>
-              <a:t> </a:t>
-            </a:r>
-          </a:p>
-          <a:p>
-            <a:pPr marL="0" marR="0" lvl="0" indent="0" algn="l" defTabSz="914400" rtl="0" eaLnBrk="0" fontAlgn="base" latinLnBrk="0" hangingPunct="0">
-              <a:lnSpc>
-                <a:spcPct val="100000"/>
-              </a:lnSpc>
-              <a:spcBef>
-                <a:spcPct val="0"/>
-              </a:spcBef>
-              <a:spcAft>
-                <a:spcPct val="0"/>
-              </a:spcAft>
-              <a:buClrTx/>
-              <a:buSzTx/>
-              <a:buFontTx/>
-              <a:buNone/>
-              <a:tabLst/>
-            </a:pPr>
-            <a:r>
-              <a:rPr kumimoji="0" lang="en-US" altLang="en-US" sz="2800" b="0" i="0" u="none" strike="noStrike" cap="none" normalizeH="0" baseline="0" dirty="0" smtClean="0">
-                <a:ln>
-                  <a:noFill/>
-                </a:ln>
-                <a:solidFill>
-                  <a:srgbClr val="008000"/>
-                </a:solidFill>
-                <a:effectLst/>
-                <a:latin typeface="Consolas" panose="020B0609020204030204" pitchFamily="49" charset="0"/>
-                <a:cs typeface="Consolas" panose="020B0609020204030204" pitchFamily="49" charset="0"/>
-              </a:rPr>
-              <a:t>#set these two variables</a:t>
-            </a:r>
-            <a:r>
-              <a:rPr kumimoji="0" lang="en-US" altLang="en-US" sz="2800" b="0" i="0" u="none" strike="noStrike" cap="none" normalizeH="0" baseline="0" dirty="0" smtClean="0">
-                <a:ln>
-                  <a:noFill/>
-                </a:ln>
-                <a:solidFill>
-                  <a:srgbClr val="000000"/>
-                </a:solidFill>
-                <a:effectLst/>
-                <a:latin typeface="Consolas" panose="020B0609020204030204" pitchFamily="49" charset="0"/>
-                <a:cs typeface="Consolas" panose="020B0609020204030204" pitchFamily="49" charset="0"/>
-              </a:rPr>
-              <a:t> </a:t>
-            </a:r>
-          </a:p>
-          <a:p>
-            <a:pPr marL="0" marR="0" lvl="0" indent="0" algn="l" defTabSz="914400" rtl="0" eaLnBrk="0" fontAlgn="base" latinLnBrk="0" hangingPunct="0">
-              <a:lnSpc>
-                <a:spcPct val="100000"/>
-              </a:lnSpc>
-              <a:spcBef>
-                <a:spcPct val="0"/>
-              </a:spcBef>
-              <a:spcAft>
-                <a:spcPct val="0"/>
-              </a:spcAft>
-              <a:buClrTx/>
-              <a:buSzTx/>
-              <a:buFontTx/>
-              <a:buNone/>
-              <a:tabLst/>
-            </a:pPr>
-            <a:r>
-              <a:rPr kumimoji="0" lang="en-US" altLang="en-US" sz="2800" b="0" i="0" u="none" strike="noStrike" cap="none" normalizeH="0" baseline="0" dirty="0" err="1" smtClean="0">
-                <a:ln>
-                  <a:noFill/>
-                </a:ln>
-                <a:solidFill>
-                  <a:srgbClr val="000000"/>
-                </a:solidFill>
-                <a:effectLst/>
-                <a:latin typeface="Consolas" panose="020B0609020204030204" pitchFamily="49" charset="0"/>
-                <a:cs typeface="Consolas" panose="020B0609020204030204" pitchFamily="49" charset="0"/>
-              </a:rPr>
-              <a:t>wonLottery</a:t>
-            </a:r>
-            <a:r>
-              <a:rPr kumimoji="0" lang="en-US" altLang="en-US" sz="2800" b="0" i="0" u="none" strike="noStrike" cap="none" normalizeH="0" baseline="0" dirty="0" smtClean="0">
-                <a:ln>
-                  <a:noFill/>
-                </a:ln>
-                <a:solidFill>
-                  <a:srgbClr val="000000"/>
-                </a:solidFill>
-                <a:effectLst/>
-                <a:latin typeface="Consolas" panose="020B0609020204030204" pitchFamily="49" charset="0"/>
-                <a:cs typeface="Consolas" panose="020B0609020204030204" pitchFamily="49" charset="0"/>
-              </a:rPr>
-              <a:t> = </a:t>
-            </a:r>
-            <a:r>
-              <a:rPr kumimoji="0" lang="en-US" altLang="en-US" sz="2800" b="0" i="0" u="none" strike="noStrike" cap="none" normalizeH="0" baseline="0" dirty="0" smtClean="0">
-                <a:ln>
-                  <a:noFill/>
-                </a:ln>
-                <a:solidFill>
-                  <a:srgbClr val="0000FF"/>
-                </a:solidFill>
-                <a:effectLst/>
-                <a:latin typeface="Consolas" panose="020B0609020204030204" pitchFamily="49" charset="0"/>
-                <a:cs typeface="Consolas" panose="020B0609020204030204" pitchFamily="49" charset="0"/>
-              </a:rPr>
-              <a:t>True</a:t>
-            </a:r>
-            <a:r>
-              <a:rPr kumimoji="0" lang="en-US" altLang="en-US" sz="2800" b="0" i="0" u="none" strike="noStrike" cap="none" normalizeH="0" baseline="0" dirty="0" smtClean="0">
-                <a:ln>
-                  <a:noFill/>
-                </a:ln>
-                <a:solidFill>
-                  <a:srgbClr val="000000"/>
-                </a:solidFill>
-                <a:effectLst/>
-                <a:latin typeface="Consolas" panose="020B0609020204030204" pitchFamily="49" charset="0"/>
-                <a:cs typeface="Consolas" panose="020B0609020204030204" pitchFamily="49" charset="0"/>
-              </a:rPr>
-              <a:t> </a:t>
-            </a:r>
-          </a:p>
-          <a:p>
-            <a:pPr marL="0" marR="0" lvl="0" indent="0" algn="l" defTabSz="914400" rtl="0" eaLnBrk="0" fontAlgn="base" latinLnBrk="0" hangingPunct="0">
-              <a:lnSpc>
-                <a:spcPct val="100000"/>
-              </a:lnSpc>
-              <a:spcBef>
-                <a:spcPct val="0"/>
-              </a:spcBef>
-              <a:spcAft>
-                <a:spcPct val="0"/>
-              </a:spcAft>
-              <a:buClrTx/>
-              <a:buSzTx/>
-              <a:buFontTx/>
-              <a:buNone/>
-              <a:tabLst/>
-            </a:pPr>
-            <a:r>
-              <a:rPr kumimoji="0" lang="en-US" altLang="en-US" sz="2800" b="0" i="0" u="none" strike="noStrike" cap="none" normalizeH="0" baseline="0" dirty="0" err="1" smtClean="0">
-                <a:ln>
-                  <a:noFill/>
-                </a:ln>
-                <a:solidFill>
-                  <a:srgbClr val="000000"/>
-                </a:solidFill>
-                <a:effectLst/>
-                <a:latin typeface="Consolas" panose="020B0609020204030204" pitchFamily="49" charset="0"/>
-                <a:cs typeface="Consolas" panose="020B0609020204030204" pitchFamily="49" charset="0"/>
-              </a:rPr>
-              <a:t>bigWin</a:t>
-            </a:r>
-            <a:r>
-              <a:rPr kumimoji="0" lang="en-US" altLang="en-US" sz="2800" b="0" i="0" u="none" strike="noStrike" cap="none" normalizeH="0" baseline="0" dirty="0" smtClean="0">
-                <a:ln>
-                  <a:noFill/>
-                </a:ln>
-                <a:solidFill>
-                  <a:srgbClr val="000000"/>
-                </a:solidFill>
-                <a:effectLst/>
-                <a:latin typeface="Consolas" panose="020B0609020204030204" pitchFamily="49" charset="0"/>
-                <a:cs typeface="Consolas" panose="020B0609020204030204" pitchFamily="49" charset="0"/>
-              </a:rPr>
-              <a:t> = </a:t>
-            </a:r>
-            <a:r>
-              <a:rPr kumimoji="0" lang="en-US" altLang="en-US" sz="2800" b="0" i="0" u="none" strike="noStrike" cap="none" normalizeH="0" baseline="0" dirty="0" smtClean="0">
-                <a:ln>
-                  <a:noFill/>
-                </a:ln>
-                <a:solidFill>
-                  <a:srgbClr val="0000FF"/>
-                </a:solidFill>
-                <a:effectLst/>
-                <a:latin typeface="Consolas" panose="020B0609020204030204" pitchFamily="49" charset="0"/>
-                <a:cs typeface="Consolas" panose="020B0609020204030204" pitchFamily="49" charset="0"/>
-              </a:rPr>
-              <a:t>True</a:t>
-            </a:r>
-            <a:r>
-              <a:rPr kumimoji="0" lang="en-US" altLang="en-US" sz="2800" b="0" i="0" u="none" strike="noStrike" cap="none" normalizeH="0" baseline="0" dirty="0" smtClean="0">
-                <a:ln>
-                  <a:noFill/>
-                </a:ln>
-                <a:solidFill>
-                  <a:srgbClr val="000000"/>
-                </a:solidFill>
-                <a:effectLst/>
-                <a:latin typeface="Consolas" panose="020B0609020204030204" pitchFamily="49" charset="0"/>
-                <a:cs typeface="Consolas" panose="020B0609020204030204" pitchFamily="49" charset="0"/>
-              </a:rPr>
-              <a:t> </a:t>
-            </a:r>
-          </a:p>
-          <a:p>
-            <a:pPr marL="0" marR="0" lvl="0" indent="0" algn="l" defTabSz="914400" rtl="0" eaLnBrk="0" fontAlgn="base" latinLnBrk="0" hangingPunct="0">
-              <a:lnSpc>
-                <a:spcPct val="100000"/>
-              </a:lnSpc>
-              <a:spcBef>
-                <a:spcPct val="0"/>
-              </a:spcBef>
-              <a:spcAft>
-                <a:spcPct val="0"/>
-              </a:spcAft>
-              <a:buClrTx/>
-              <a:buSzTx/>
-              <a:buFontTx/>
-              <a:buNone/>
-              <a:tabLst/>
-            </a:pPr>
-            <a:endParaRPr kumimoji="0" lang="en-US" altLang="en-US" sz="2800" b="0" i="0" u="none" strike="noStrike" cap="none" normalizeH="0" baseline="0" dirty="0" smtClean="0">
-              <a:ln>
-                <a:noFill/>
-              </a:ln>
-              <a:solidFill>
-                <a:srgbClr val="000000"/>
-              </a:solidFill>
-              <a:effectLst/>
-              <a:latin typeface="Consolas" panose="020B0609020204030204" pitchFamily="49" charset="0"/>
-              <a:cs typeface="Consolas" panose="020B0609020204030204" pitchFamily="49" charset="0"/>
-            </a:endParaRPr>
-          </a:p>
-          <a:p>
-            <a:pPr marL="0" marR="0" lvl="0" indent="0" algn="l" defTabSz="914400" rtl="0" eaLnBrk="0" fontAlgn="base" latinLnBrk="0" hangingPunct="0">
-              <a:lnSpc>
-                <a:spcPct val="100000"/>
-              </a:lnSpc>
-              <a:spcBef>
-                <a:spcPct val="0"/>
-              </a:spcBef>
-              <a:spcAft>
-                <a:spcPct val="0"/>
-              </a:spcAft>
-              <a:buClrTx/>
-              <a:buSzTx/>
-              <a:buFontTx/>
-              <a:buNone/>
-              <a:tabLst/>
-            </a:pPr>
-            <a:r>
-              <a:rPr kumimoji="0" lang="en-US" altLang="en-US" sz="2800" b="0" i="0" u="none" strike="noStrike" cap="none" normalizeH="0" baseline="0" dirty="0" smtClean="0">
-                <a:ln>
-                  <a:noFill/>
-                </a:ln>
-                <a:solidFill>
-                  <a:srgbClr val="008000"/>
-                </a:solidFill>
-                <a:effectLst/>
-                <a:latin typeface="Consolas" panose="020B0609020204030204" pitchFamily="49" charset="0"/>
-                <a:cs typeface="Consolas" panose="020B0609020204030204" pitchFamily="49" charset="0"/>
-              </a:rPr>
-              <a:t>#print statement only executes if both conditions are true</a:t>
-            </a:r>
-            <a:r>
-              <a:rPr kumimoji="0" lang="en-US" altLang="en-US" sz="2800" b="0" i="0" u="none" strike="noStrike" cap="none" normalizeH="0" baseline="0" dirty="0" smtClean="0">
-                <a:ln>
-                  <a:noFill/>
-                </a:ln>
-                <a:solidFill>
-                  <a:srgbClr val="000000"/>
-                </a:solidFill>
-                <a:effectLst/>
-                <a:latin typeface="Consolas" panose="020B0609020204030204" pitchFamily="49" charset="0"/>
-                <a:cs typeface="Consolas" panose="020B0609020204030204" pitchFamily="49" charset="0"/>
-              </a:rPr>
-              <a:t> </a:t>
-            </a:r>
-          </a:p>
-          <a:p>
-            <a:pPr marL="0" marR="0" lvl="0" indent="0" algn="l" defTabSz="914400" rtl="0" eaLnBrk="0" fontAlgn="base" latinLnBrk="0" hangingPunct="0">
-              <a:lnSpc>
-                <a:spcPct val="100000"/>
-              </a:lnSpc>
-              <a:spcBef>
-                <a:spcPct val="0"/>
-              </a:spcBef>
-              <a:spcAft>
-                <a:spcPct val="0"/>
-              </a:spcAft>
-              <a:buClrTx/>
-              <a:buSzTx/>
-              <a:buFontTx/>
-              <a:buNone/>
-              <a:tabLst/>
-            </a:pPr>
-            <a:r>
-              <a:rPr kumimoji="0" lang="en-US" altLang="en-US" sz="2800" b="0" i="0" u="none" strike="noStrike" cap="none" normalizeH="0" baseline="0" dirty="0" smtClean="0">
-                <a:ln>
-                  <a:noFill/>
-                </a:ln>
-                <a:solidFill>
-                  <a:srgbClr val="0000FF"/>
-                </a:solidFill>
-                <a:effectLst/>
-                <a:latin typeface="Consolas" panose="020B0609020204030204" pitchFamily="49" charset="0"/>
-                <a:cs typeface="Consolas" panose="020B0609020204030204" pitchFamily="49" charset="0"/>
-              </a:rPr>
-              <a:t>if</a:t>
-            </a:r>
-            <a:r>
-              <a:rPr kumimoji="0" lang="en-US" altLang="en-US" sz="2800" b="0" i="0" u="none" strike="noStrike" cap="none" normalizeH="0" baseline="0" dirty="0" smtClean="0">
-                <a:ln>
-                  <a:noFill/>
-                </a:ln>
-                <a:solidFill>
-                  <a:srgbClr val="000000"/>
-                </a:solidFill>
-                <a:effectLst/>
-                <a:latin typeface="Consolas" panose="020B0609020204030204" pitchFamily="49" charset="0"/>
-                <a:cs typeface="Consolas" panose="020B0609020204030204" pitchFamily="49" charset="0"/>
-              </a:rPr>
-              <a:t> </a:t>
-            </a:r>
-            <a:r>
-              <a:rPr kumimoji="0" lang="en-US" altLang="en-US" sz="2800" b="0" i="0" u="none" strike="noStrike" cap="none" normalizeH="0" baseline="0" dirty="0" err="1" smtClean="0">
-                <a:ln>
-                  <a:noFill/>
-                </a:ln>
-                <a:solidFill>
-                  <a:srgbClr val="000000"/>
-                </a:solidFill>
-                <a:effectLst/>
-                <a:latin typeface="Consolas" panose="020B0609020204030204" pitchFamily="49" charset="0"/>
-                <a:cs typeface="Consolas" panose="020B0609020204030204" pitchFamily="49" charset="0"/>
-              </a:rPr>
-              <a:t>wonLottery</a:t>
-            </a:r>
-            <a:r>
-              <a:rPr kumimoji="0" lang="en-US" altLang="en-US" sz="2800" b="0" i="0" u="none" strike="noStrike" cap="none" normalizeH="0" baseline="0" dirty="0" smtClean="0">
-                <a:ln>
-                  <a:noFill/>
-                </a:ln>
-                <a:solidFill>
-                  <a:srgbClr val="000000"/>
-                </a:solidFill>
-                <a:effectLst/>
-                <a:latin typeface="Consolas" panose="020B0609020204030204" pitchFamily="49" charset="0"/>
-                <a:cs typeface="Consolas" panose="020B0609020204030204" pitchFamily="49" charset="0"/>
-              </a:rPr>
-              <a:t> </a:t>
-            </a:r>
-            <a:r>
-              <a:rPr kumimoji="0" lang="en-US" altLang="en-US" sz="2800" b="0" i="0" u="none" strike="noStrike" cap="none" normalizeH="0" baseline="0" dirty="0" smtClean="0">
-                <a:ln>
-                  <a:noFill/>
-                </a:ln>
-                <a:solidFill>
-                  <a:srgbClr val="0000FF"/>
-                </a:solidFill>
-                <a:effectLst/>
-                <a:latin typeface="Consolas" panose="020B0609020204030204" pitchFamily="49" charset="0"/>
-                <a:cs typeface="Consolas" panose="020B0609020204030204" pitchFamily="49" charset="0"/>
-              </a:rPr>
-              <a:t>and</a:t>
-            </a:r>
-            <a:r>
-              <a:rPr kumimoji="0" lang="en-US" altLang="en-US" sz="2800" b="0" i="0" u="none" strike="noStrike" cap="none" normalizeH="0" baseline="0" dirty="0" smtClean="0">
-                <a:ln>
-                  <a:noFill/>
-                </a:ln>
-                <a:solidFill>
-                  <a:srgbClr val="000000"/>
-                </a:solidFill>
-                <a:effectLst/>
-                <a:latin typeface="Consolas" panose="020B0609020204030204" pitchFamily="49" charset="0"/>
-                <a:cs typeface="Consolas" panose="020B0609020204030204" pitchFamily="49" charset="0"/>
-              </a:rPr>
-              <a:t> </a:t>
-            </a:r>
-            <a:r>
-              <a:rPr kumimoji="0" lang="en-US" altLang="en-US" sz="2800" b="0" i="0" u="none" strike="noStrike" cap="none" normalizeH="0" baseline="0" dirty="0" err="1" smtClean="0">
-                <a:ln>
-                  <a:noFill/>
-                </a:ln>
-                <a:solidFill>
-                  <a:srgbClr val="000000"/>
-                </a:solidFill>
-                <a:effectLst/>
-                <a:latin typeface="Consolas" panose="020B0609020204030204" pitchFamily="49" charset="0"/>
-                <a:cs typeface="Consolas" panose="020B0609020204030204" pitchFamily="49" charset="0"/>
-              </a:rPr>
-              <a:t>bigWin</a:t>
-            </a:r>
-            <a:r>
-              <a:rPr kumimoji="0" lang="en-US" altLang="en-US" sz="2800" b="0" i="0" u="none" strike="noStrike" cap="none" normalizeH="0" baseline="0" dirty="0" smtClean="0">
-                <a:ln>
-                  <a:noFill/>
-                </a:ln>
-                <a:solidFill>
-                  <a:srgbClr val="000000"/>
-                </a:solidFill>
-                <a:effectLst/>
-                <a:latin typeface="Consolas" panose="020B0609020204030204" pitchFamily="49" charset="0"/>
-                <a:cs typeface="Consolas" panose="020B0609020204030204" pitchFamily="49" charset="0"/>
-              </a:rPr>
-              <a:t> :</a:t>
-            </a:r>
-          </a:p>
-          <a:p>
-            <a:pPr marL="0" marR="0" lvl="0" indent="0" algn="l" defTabSz="914400" rtl="0" eaLnBrk="0" fontAlgn="base" latinLnBrk="0" hangingPunct="0">
-              <a:lnSpc>
-                <a:spcPct val="100000"/>
-              </a:lnSpc>
-              <a:spcBef>
-                <a:spcPct val="0"/>
-              </a:spcBef>
-              <a:spcAft>
-                <a:spcPct val="0"/>
-              </a:spcAft>
-              <a:buClrTx/>
-              <a:buSzTx/>
-              <a:buFontTx/>
-              <a:buNone/>
-              <a:tabLst/>
-            </a:pPr>
-            <a:r>
-              <a:rPr kumimoji="0" lang="en-US" altLang="en-US" sz="2800" b="0" i="0" u="none" strike="noStrike" cap="none" normalizeH="0" baseline="0" dirty="0" smtClean="0">
-                <a:ln>
-                  <a:noFill/>
-                </a:ln>
-                <a:solidFill>
-                  <a:srgbClr val="000000"/>
-                </a:solidFill>
-                <a:effectLst/>
-                <a:latin typeface="Consolas" panose="020B0609020204030204" pitchFamily="49" charset="0"/>
-                <a:cs typeface="Consolas" panose="020B0609020204030204" pitchFamily="49" charset="0"/>
-              </a:rPr>
-              <a:t>     print(</a:t>
-            </a:r>
-            <a:r>
-              <a:rPr kumimoji="0" lang="en-US" altLang="en-US" sz="2800" b="0" i="0" u="none" strike="noStrike" cap="none" normalizeH="0" baseline="0" dirty="0" smtClean="0">
-                <a:ln>
-                  <a:noFill/>
-                </a:ln>
-                <a:solidFill>
-                  <a:srgbClr val="A31515"/>
-                </a:solidFill>
-                <a:effectLst/>
-                <a:latin typeface="Consolas" panose="020B0609020204030204" pitchFamily="49" charset="0"/>
-                <a:cs typeface="Consolas" panose="020B0609020204030204" pitchFamily="49" charset="0"/>
-              </a:rPr>
-              <a:t>"you can retire"</a:t>
-            </a:r>
-            <a:r>
-              <a:rPr kumimoji="0" lang="en-US" altLang="en-US" sz="2800" b="0" i="0" u="none" strike="noStrike" cap="none" normalizeH="0" baseline="0" dirty="0" smtClean="0">
-                <a:ln>
-                  <a:noFill/>
-                </a:ln>
-                <a:solidFill>
-                  <a:srgbClr val="000000"/>
-                </a:solidFill>
-                <a:effectLst/>
-                <a:latin typeface="Consolas" panose="020B0609020204030204" pitchFamily="49" charset="0"/>
-                <a:cs typeface="Consolas" panose="020B0609020204030204" pitchFamily="49" charset="0"/>
-              </a:rPr>
-              <a:t>)</a:t>
-            </a:r>
-            <a:endParaRPr kumimoji="0" lang="en-US" altLang="en-US" sz="2800" b="0" i="0" u="none" strike="noStrike" cap="none" normalizeH="0" baseline="0" dirty="0" smtClean="0">
-              <a:ln>
-                <a:noFill/>
-              </a:ln>
-              <a:solidFill>
-                <a:schemeClr val="tx1"/>
-              </a:solidFill>
-              <a:effectLst/>
-              <a:latin typeface="Arial" panose="020B0604020202020204" pitchFamily="34" charset="0"/>
-            </a:endParaRPr>
-          </a:p>
-        </p:txBody>
-      </p:sp>
-    </p:spTree>
-    <p:extLst>
-      <p:ext uri="{BB962C8B-B14F-4D97-AF65-F5344CB8AC3E}">
-        <p14:creationId xmlns:p14="http://schemas.microsoft.com/office/powerpoint/2010/main" val="502952146"/>
-      </p:ext>
-    </p:extLst>
-  </p:cSld>
-  <p:clrMapOvr>
-    <a:masterClrMapping/>
-  </p:clrMapOvr>
-  <p:timing>
-    <p:tnLst>
-      <p:par>
-        <p:cTn id="1" dur="indefinite" restart="never" nodeType="tmRoot"/>
       </p:par>
     </p:tnLst>
   </p:timing>
